--- a/doc/NetPontoMEF.pptx
+++ b/doc/NetPontoMEF.pptx
@@ -5,21 +5,21 @@
     <p:sldMasterId id="2147483648" r:id="rId2"/>
   </p:sldMasterIdLst>
   <p:notesMasterIdLst>
-    <p:notesMasterId r:id="rId38"/>
+    <p:notesMasterId r:id="rId40"/>
   </p:notesMasterIdLst>
   <p:handoutMasterIdLst>
-    <p:handoutMasterId r:id="rId39"/>
+    <p:handoutMasterId r:id="rId41"/>
   </p:handoutMasterIdLst>
   <p:sldIdLst>
     <p:sldId id="256" r:id="rId3"/>
     <p:sldId id="373" r:id="rId4"/>
     <p:sldId id="343" r:id="rId5"/>
     <p:sldId id="301" r:id="rId6"/>
-    <p:sldId id="455" r:id="rId7"/>
-    <p:sldId id="437" r:id="rId8"/>
-    <p:sldId id="438" r:id="rId9"/>
-    <p:sldId id="441" r:id="rId10"/>
-    <p:sldId id="443" r:id="rId11"/>
+    <p:sldId id="437" r:id="rId7"/>
+    <p:sldId id="438" r:id="rId8"/>
+    <p:sldId id="441" r:id="rId9"/>
+    <p:sldId id="443" r:id="rId10"/>
+    <p:sldId id="463" r:id="rId11"/>
     <p:sldId id="431" r:id="rId12"/>
     <p:sldId id="445" r:id="rId13"/>
     <p:sldId id="444" r:id="rId14"/>
@@ -31,21 +31,23 @@
     <p:sldId id="451" r:id="rId20"/>
     <p:sldId id="449" r:id="rId21"/>
     <p:sldId id="452" r:id="rId22"/>
-    <p:sldId id="456" r:id="rId23"/>
-    <p:sldId id="458" r:id="rId24"/>
-    <p:sldId id="453" r:id="rId25"/>
-    <p:sldId id="457" r:id="rId26"/>
-    <p:sldId id="454" r:id="rId27"/>
-    <p:sldId id="459" r:id="rId28"/>
-    <p:sldId id="435" r:id="rId29"/>
+    <p:sldId id="461" r:id="rId23"/>
+    <p:sldId id="456" r:id="rId24"/>
+    <p:sldId id="458" r:id="rId25"/>
+    <p:sldId id="453" r:id="rId26"/>
+    <p:sldId id="457" r:id="rId27"/>
+    <p:sldId id="454" r:id="rId28"/>
+    <p:sldId id="459" r:id="rId29"/>
     <p:sldId id="421" r:id="rId30"/>
     <p:sldId id="328" r:id="rId31"/>
     <p:sldId id="311" r:id="rId32"/>
-    <p:sldId id="427" r:id="rId33"/>
-    <p:sldId id="428" r:id="rId34"/>
-    <p:sldId id="429" r:id="rId35"/>
-    <p:sldId id="430" r:id="rId36"/>
-    <p:sldId id="293" r:id="rId37"/>
+    <p:sldId id="464" r:id="rId33"/>
+    <p:sldId id="427" r:id="rId34"/>
+    <p:sldId id="428" r:id="rId35"/>
+    <p:sldId id="429" r:id="rId36"/>
+    <p:sldId id="462" r:id="rId37"/>
+    <p:sldId id="430" r:id="rId38"/>
+    <p:sldId id="293" r:id="rId39"/>
   </p:sldIdLst>
   <p:sldSz cx="9906000" cy="6858000" type="A4"/>
   <p:notesSz cx="6858000" cy="9144000"/>
@@ -230,7 +232,7 @@
             <a:fld id="{ADFD96CD-F9A7-4B23-9F0C-9C94434A7F7D}" type="datetimeFigureOut">
               <a:rPr lang="pt-PT" smtClean="0"/>
               <a:pPr/>
-              <a:t>03/07/2014</a:t>
+              <a:t>28/07/2014</a:t>
             </a:fld>
             <a:endParaRPr lang="pt-PT"/>
           </a:p>
@@ -397,7 +399,7 @@
             <a:fld id="{F1680C6F-1AC0-45E8-AE4C-9DD1ADA0D880}" type="datetimeFigureOut">
               <a:rPr lang="pt-PT" smtClean="0"/>
               <a:pPr/>
-              <a:t>03/07/2014</a:t>
+              <a:t>28/07/2014</a:t>
             </a:fld>
             <a:endParaRPr lang="pt-PT"/>
           </a:p>
@@ -693,7 +695,12 @@
             <p:ph type="sldImg"/>
           </p:nvPr>
         </p:nvSpPr>
-        <p:spPr/>
+        <p:spPr>
+          <a:xfrm>
+            <a:off x="952500" y="685800"/>
+            <a:ext cx="4953000" cy="3429000"/>
+          </a:xfrm>
+        </p:spPr>
       </p:sp>
       <p:sp>
         <p:nvSpPr>
@@ -712,193 +719,18 @@
           </a:bodyPr>
           <a:lstStyle/>
           <a:p>
-            <a:pPr fontAlgn="ctr"/>
-            <a:r>
-              <a:rPr lang="en-US" sz="1200" b="0" i="0" kern="1200" dirty="0" smtClean="0">
-                <a:solidFill>
-                  <a:schemeClr val="tx1"/>
-                </a:solidFill>
-                <a:latin typeface="+mn-lt"/>
-                <a:ea typeface="+mn-ea"/>
-                <a:cs typeface="+mn-cs"/>
-              </a:rPr>
-              <a:t>Parts can also export properties. Property exports are advantageous for several reasons.They allow exporting sealed types such as the core CLR types, or other third party types.</a:t>
-            </a:r>
-          </a:p>
-          <a:p>
-            <a:pPr fontAlgn="ctr"/>
-            <a:r>
-              <a:rPr lang="en-US" sz="1200" b="0" i="0" kern="1200" dirty="0" smtClean="0">
-                <a:solidFill>
-                  <a:schemeClr val="tx1"/>
-                </a:solidFill>
-                <a:latin typeface="+mn-lt"/>
-                <a:ea typeface="+mn-ea"/>
-                <a:cs typeface="+mn-cs"/>
-              </a:rPr>
-              <a:t>They allow decoupling the export from how the export is created. For example exporting the existing </a:t>
-            </a:r>
-            <a:r>
-              <a:rPr lang="en-US" sz="1200" b="0" i="0" kern="1200" dirty="0" err="1" smtClean="0">
-                <a:solidFill>
-                  <a:schemeClr val="tx1"/>
-                </a:solidFill>
-                <a:latin typeface="+mn-lt"/>
-                <a:ea typeface="+mn-ea"/>
-                <a:cs typeface="+mn-cs"/>
-              </a:rPr>
-              <a:t>HttpContext</a:t>
-            </a:r>
-            <a:r>
-              <a:rPr lang="en-US" sz="1200" b="0" i="0" kern="1200" dirty="0" smtClean="0">
-                <a:solidFill>
-                  <a:schemeClr val="tx1"/>
-                </a:solidFill>
-                <a:latin typeface="+mn-lt"/>
-                <a:ea typeface="+mn-ea"/>
-                <a:cs typeface="+mn-cs"/>
-              </a:rPr>
-              <a:t> which the runtime creates for you.</a:t>
-            </a:r>
-          </a:p>
-          <a:p>
-            <a:pPr fontAlgn="ctr"/>
-            <a:r>
-              <a:rPr lang="en-US" sz="1200" b="0" i="0" kern="1200" dirty="0" smtClean="0">
-                <a:solidFill>
-                  <a:schemeClr val="tx1"/>
-                </a:solidFill>
-                <a:latin typeface="+mn-lt"/>
-                <a:ea typeface="+mn-ea"/>
-                <a:cs typeface="+mn-cs"/>
-              </a:rPr>
-              <a:t>They allow having a family of related exports in the same Composable Part, such as a </a:t>
-            </a:r>
-            <a:r>
-              <a:rPr lang="en-US" sz="1200" b="0" i="0" kern="1200" dirty="0" err="1" smtClean="0">
-                <a:solidFill>
-                  <a:schemeClr val="tx1"/>
-                </a:solidFill>
-                <a:latin typeface="+mn-lt"/>
-                <a:ea typeface="+mn-ea"/>
-                <a:cs typeface="+mn-cs"/>
-              </a:rPr>
-              <a:t>DefaultSendersRegistry</a:t>
-            </a:r>
-            <a:r>
-              <a:rPr lang="en-US" sz="1200" b="0" i="0" kern="1200" dirty="0" smtClean="0">
-                <a:solidFill>
-                  <a:schemeClr val="tx1"/>
-                </a:solidFill>
-                <a:latin typeface="+mn-lt"/>
-                <a:ea typeface="+mn-ea"/>
-                <a:cs typeface="+mn-cs"/>
-              </a:rPr>
-              <a:t> Composable Part that exports a default set of senders as properties.</a:t>
-            </a:r>
-          </a:p>
-          <a:p>
-            <a:pPr fontAlgn="ctr"/>
-            <a:r>
-              <a:rPr lang="en-US" dirty="0" smtClean="0"/>
-              <a:t/>
-            </a:r>
-            <a:br>
-              <a:rPr lang="en-US" dirty="0" smtClean="0"/>
-            </a:br>
-            <a:r>
-              <a:rPr lang="en-US" sz="1200" b="0" i="0" kern="1200" dirty="0" smtClean="0">
-                <a:solidFill>
-                  <a:schemeClr val="tx1"/>
-                </a:solidFill>
-                <a:latin typeface="+mn-lt"/>
-                <a:ea typeface="+mn-ea"/>
-                <a:cs typeface="+mn-cs"/>
-              </a:rPr>
-              <a:t>A method export is where a Part exports one its methods. Methods are exported as delegates which are specified in the Export contract. Method exports have several benefits including the following</a:t>
-            </a:r>
-            <a:r>
-              <a:rPr lang="en-US" sz="1200" b="0" i="0" kern="1200" dirty="0" smtClean="0">
-                <a:solidFill>
-                  <a:schemeClr val="tx1"/>
-                </a:solidFill>
-                <a:latin typeface="+mn-lt"/>
-                <a:ea typeface="+mn-ea"/>
-                <a:cs typeface="+mn-cs"/>
-              </a:rPr>
-              <a:t>. They </a:t>
-            </a:r>
-            <a:r>
-              <a:rPr lang="en-US" sz="1200" b="0" i="0" kern="1200" dirty="0" smtClean="0">
-                <a:solidFill>
-                  <a:schemeClr val="tx1"/>
-                </a:solidFill>
-                <a:latin typeface="+mn-lt"/>
-                <a:ea typeface="+mn-ea"/>
-                <a:cs typeface="+mn-cs"/>
-              </a:rPr>
-              <a:t>allow finer grained control as to what is exported. For example, a rules engine might import a set of pluggable method exports.</a:t>
-            </a:r>
-          </a:p>
-          <a:p>
-            <a:pPr fontAlgn="ctr"/>
-            <a:r>
-              <a:rPr lang="en-US" sz="1200" b="0" i="0" kern="1200" dirty="0" smtClean="0">
-                <a:solidFill>
-                  <a:schemeClr val="tx1"/>
-                </a:solidFill>
-                <a:latin typeface="+mn-lt"/>
-                <a:ea typeface="+mn-ea"/>
-                <a:cs typeface="+mn-cs"/>
-              </a:rPr>
-              <a:t>They shield the caller from any knowledge of the type.</a:t>
-            </a:r>
-          </a:p>
-          <a:p>
-            <a:pPr fontAlgn="ctr"/>
-            <a:r>
-              <a:rPr lang="en-US" sz="1200" b="0" i="0" kern="1200" dirty="0" smtClean="0">
-                <a:solidFill>
-                  <a:schemeClr val="tx1"/>
-                </a:solidFill>
-                <a:latin typeface="+mn-lt"/>
-                <a:ea typeface="+mn-ea"/>
-                <a:cs typeface="+mn-cs"/>
-              </a:rPr>
-              <a:t>They can be generated through light code gen, which you cannot do with the other exports.</a:t>
-            </a:r>
-          </a:p>
-          <a:p>
-            <a:r>
-              <a:rPr lang="en-US" sz="1200" b="0" i="1" kern="1200" dirty="0" smtClean="0">
-                <a:solidFill>
-                  <a:schemeClr val="tx1"/>
-                </a:solidFill>
-                <a:latin typeface="+mn-lt"/>
-                <a:ea typeface="+mn-ea"/>
-                <a:cs typeface="+mn-cs"/>
-              </a:rPr>
-              <a:t>Note: Method exports may have no more than 4 arguments due to a framework limitation.</a:t>
-            </a:r>
-            <a:r>
-              <a:rPr lang="en-US" dirty="0" smtClean="0"/>
-              <a:t/>
-            </a:r>
-            <a:br>
-              <a:rPr lang="en-US" dirty="0" smtClean="0"/>
-            </a:br>
-            <a:endParaRPr lang="pt-PT" dirty="0"/>
-          </a:p>
-        </p:txBody>
-      </p:sp>
-      <p:sp>
-        <p:nvSpPr>
-          <p:cNvPr id="4" name="Slide Number Placeholder 3"/>
+            <a:endParaRPr lang="en-US" dirty="0"/>
+          </a:p>
+        </p:txBody>
+      </p:sp>
+      <p:sp>
+        <p:nvSpPr>
+          <p:cNvPr id="4" name="Header Placeholder 3"/>
           <p:cNvSpPr>
             <a:spLocks noGrp="1"/>
           </p:cNvSpPr>
           <p:nvPr>
-            <p:ph type="sldNum" sz="quarter" idx="10"/>
+            <p:ph type="hdr" sz="quarter" idx="10"/>
           </p:nvPr>
         </p:nvSpPr>
         <p:spPr/>
@@ -906,12 +738,115 @@
           <a:bodyPr/>
           <a:lstStyle/>
           <a:p>
-            <a:fld id="{4A3EE754-1482-4D08-B801-58AD7081021E}" type="slidenum">
-              <a:rPr lang="pt-PT" smtClean="0"/>
+            <a:endParaRPr lang="en-US" dirty="0"/>
+          </a:p>
+        </p:txBody>
+      </p:sp>
+      <p:sp>
+        <p:nvSpPr>
+          <p:cNvPr id="5" name="Date Placeholder 4"/>
+          <p:cNvSpPr>
+            <a:spLocks noGrp="1"/>
+          </p:cNvSpPr>
+          <p:nvPr>
+            <p:ph type="dt" idx="11"/>
+          </p:nvPr>
+        </p:nvSpPr>
+        <p:spPr/>
+        <p:txBody>
+          <a:bodyPr/>
+          <a:lstStyle/>
+          <a:p>
+            <a:fld id="{81331B57-0BE5-4F82-AA58-76F53EFF3ADA}" type="datetime8">
+              <a:rPr lang="en-US" smtClean="0"/>
+              <a:pPr/>
+              <a:t>7/28/2014 8:25 PM</a:t>
+            </a:fld>
+            <a:endParaRPr lang="en-US" dirty="0"/>
+          </a:p>
+        </p:txBody>
+      </p:sp>
+      <p:sp>
+        <p:nvSpPr>
+          <p:cNvPr id="6" name="Footer Placeholder 5"/>
+          <p:cNvSpPr>
+            <a:spLocks noGrp="1"/>
+          </p:cNvSpPr>
+          <p:nvPr>
+            <p:ph type="ftr" sz="quarter" idx="12"/>
+          </p:nvPr>
+        </p:nvSpPr>
+        <p:spPr/>
+        <p:txBody>
+          <a:bodyPr/>
+          <a:lstStyle/>
+          <a:p>
+            <a:r>
+              <a:rPr lang="en-US" dirty="0" smtClean="0">
+                <a:solidFill>
+                  <a:srgbClr val="000000"/>
+                </a:solidFill>
+                <a:latin typeface="Calibri" pitchFamily="34" charset="0"/>
+              </a:rPr>
+              <a:t>© 2008 Microsoft Corporation. All rights reserved. Microsoft, Windows, Windows Vista and other product names are or may be registered trademarks and/or trademarks in the U.S. and/or other countries.</a:t>
+            </a:r>
+          </a:p>
+          <a:p>
+            <a:r>
+              <a:rPr lang="en-US" dirty="0" smtClean="0">
+                <a:solidFill>
+                  <a:srgbClr val="000000"/>
+                </a:solidFill>
+                <a:latin typeface="Calibri" pitchFamily="34" charset="0"/>
+              </a:rPr>
+              <a:t>The information herein is for informational purposes only and represents the current view of Microsoft Corporation as of the date of this presentation.  Because Microsoft must respond to changing market conditions, it should not be interpreted to be a commitment on the part of Microsoft, and Microsoft cannot guarantee the accuracy of any information provided after the date of this presentation.  </a:t>
+            </a:r>
+            <a:br>
+              <a:rPr lang="en-US" dirty="0" smtClean="0">
+                <a:solidFill>
+                  <a:srgbClr val="000000"/>
+                </a:solidFill>
+                <a:latin typeface="Calibri" pitchFamily="34" charset="0"/>
+              </a:rPr>
+            </a:br>
+            <a:r>
+              <a:rPr lang="en-US" dirty="0" smtClean="0">
+                <a:solidFill>
+                  <a:srgbClr val="000000"/>
+                </a:solidFill>
+                <a:latin typeface="Calibri" pitchFamily="34" charset="0"/>
+              </a:rPr>
+              <a:t>MICROSOFT MAKES NO WARRANTIES, EXPRESS, IMPLIED OR STATUTORY, AS TO THE INFORMATION IN THIS PRESENTATION.</a:t>
+            </a:r>
+          </a:p>
+          <a:p>
+            <a:endParaRPr lang="en-US" dirty="0">
+              <a:latin typeface="Calibri" pitchFamily="34" charset="0"/>
+            </a:endParaRPr>
+          </a:p>
+        </p:txBody>
+      </p:sp>
+      <p:sp>
+        <p:nvSpPr>
+          <p:cNvPr id="7" name="Slide Number Placeholder 6"/>
+          <p:cNvSpPr>
+            <a:spLocks noGrp="1"/>
+          </p:cNvSpPr>
+          <p:nvPr>
+            <p:ph type="sldNum" sz="quarter" idx="13"/>
+          </p:nvPr>
+        </p:nvSpPr>
+        <p:spPr/>
+        <p:txBody>
+          <a:bodyPr/>
+          <a:lstStyle/>
+          <a:p>
+            <a:fld id="{EC87E0CF-87F6-4B58-B8B8-DCAB2DAAF3CA}" type="slidenum">
+              <a:rPr lang="en-US" smtClean="0"/>
               <a:pPr/>
               <a:t>21</a:t>
             </a:fld>
-            <a:endParaRPr lang="pt-PT"/>
+            <a:endParaRPr lang="en-US" dirty="0"/>
           </a:p>
         </p:txBody>
       </p:sp>
@@ -950,7 +885,12 @@
             <p:ph type="sldImg"/>
           </p:nvPr>
         </p:nvSpPr>
-        <p:spPr/>
+        <p:spPr>
+          <a:xfrm>
+            <a:off x="952500" y="685800"/>
+            <a:ext cx="4953000" cy="3429000"/>
+          </a:xfrm>
+        </p:spPr>
       </p:sp>
       <p:sp>
         <p:nvSpPr>
@@ -970,6 +910,79 @@
           <a:lstStyle/>
           <a:p>
             <a:pPr fontAlgn="ctr"/>
+            <a:r>
+              <a:rPr lang="en-US" sz="1200" b="0" i="0" kern="1200" dirty="0" smtClean="0">
+                <a:solidFill>
+                  <a:schemeClr val="tx1"/>
+                </a:solidFill>
+                <a:latin typeface="+mn-lt"/>
+                <a:ea typeface="+mn-ea"/>
+                <a:cs typeface="+mn-cs"/>
+              </a:rPr>
+              <a:t>A method export is where a Part exports one its methods. </a:t>
+            </a:r>
+          </a:p>
+          <a:p>
+            <a:pPr fontAlgn="ctr"/>
+            <a:r>
+              <a:rPr lang="en-US" sz="1200" b="0" i="0" kern="1200" dirty="0" smtClean="0">
+                <a:solidFill>
+                  <a:schemeClr val="tx1"/>
+                </a:solidFill>
+                <a:latin typeface="+mn-lt"/>
+                <a:ea typeface="+mn-ea"/>
+                <a:cs typeface="+mn-cs"/>
+              </a:rPr>
+              <a:t>Methods are exported as delegates which are specified in the Export contract. Method exports have several benefits including the following. They allow finer grained control as to what is exported. For example, a rules engine might import a set of pluggable method exports.</a:t>
+            </a:r>
+          </a:p>
+          <a:p>
+            <a:pPr fontAlgn="ctr"/>
+            <a:r>
+              <a:rPr lang="en-US" sz="1200" b="0" i="0" kern="1200" dirty="0" smtClean="0">
+                <a:solidFill>
+                  <a:schemeClr val="tx1"/>
+                </a:solidFill>
+                <a:latin typeface="+mn-lt"/>
+                <a:ea typeface="+mn-ea"/>
+                <a:cs typeface="+mn-cs"/>
+              </a:rPr>
+              <a:t>They shield the caller from any knowledge of the type.</a:t>
+            </a:r>
+          </a:p>
+          <a:p>
+            <a:pPr fontAlgn="ctr"/>
+            <a:r>
+              <a:rPr lang="en-US" sz="1200" b="0" i="0" kern="1200" dirty="0" smtClean="0">
+                <a:solidFill>
+                  <a:schemeClr val="tx1"/>
+                </a:solidFill>
+                <a:latin typeface="+mn-lt"/>
+                <a:ea typeface="+mn-ea"/>
+                <a:cs typeface="+mn-cs"/>
+              </a:rPr>
+              <a:t>They can be generated through light code gen, which you cannot do with the other exports.</a:t>
+            </a:r>
+          </a:p>
+          <a:p>
+            <a:r>
+              <a:rPr lang="en-US" sz="1200" b="0" i="1" kern="1200" dirty="0" smtClean="0">
+                <a:solidFill>
+                  <a:schemeClr val="tx1"/>
+                </a:solidFill>
+                <a:latin typeface="+mn-lt"/>
+                <a:ea typeface="+mn-ea"/>
+                <a:cs typeface="+mn-cs"/>
+              </a:rPr>
+              <a:t>Note: Method exports may have no more than 4 arguments due to a framework limitation.</a:t>
+            </a:r>
+            <a:r>
+              <a:rPr lang="en-US" dirty="0" smtClean="0"/>
+              <a:t/>
+            </a:r>
+            <a:br>
+              <a:rPr lang="en-US" dirty="0" smtClean="0"/>
+            </a:br>
             <a:endParaRPr lang="pt-PT" dirty="0"/>
           </a:p>
         </p:txBody>
@@ -1033,248 +1046,31 @@
             <p:ph type="sldImg"/>
           </p:nvPr>
         </p:nvSpPr>
+        <p:spPr>
+          <a:xfrm>
+            <a:off x="952500" y="685800"/>
+            <a:ext cx="4953000" cy="3429000"/>
+          </a:xfrm>
+        </p:spPr>
+      </p:sp>
+      <p:sp>
+        <p:nvSpPr>
+          <p:cNvPr id="3" name="Notes Placeholder 2"/>
+          <p:cNvSpPr>
+            <a:spLocks noGrp="1"/>
+          </p:cNvSpPr>
+          <p:nvPr>
+            <p:ph type="body" idx="1"/>
+          </p:nvPr>
+        </p:nvSpPr>
         <p:spPr/>
-      </p:sp>
-      <p:sp>
-        <p:nvSpPr>
-          <p:cNvPr id="3" name="Notes Placeholder 2"/>
-          <p:cNvSpPr>
-            <a:spLocks noGrp="1"/>
-          </p:cNvSpPr>
-          <p:nvPr>
-            <p:ph type="body" idx="1"/>
-          </p:nvPr>
-        </p:nvSpPr>
-        <p:spPr/>
         <p:txBody>
           <a:bodyPr>
-            <a:normAutofit fontScale="77500" lnSpcReduction="20000"/>
+            <a:normAutofit/>
           </a:bodyPr>
           <a:lstStyle/>
           <a:p>
-            <a:r>
-              <a:rPr lang="en-US" sz="1200" b="0" i="0" kern="1200" dirty="0" smtClean="0">
-                <a:solidFill>
-                  <a:schemeClr val="tx1"/>
-                </a:solidFill>
-                <a:latin typeface="+mn-lt"/>
-                <a:ea typeface="+mn-ea"/>
-                <a:cs typeface="+mn-cs"/>
-              </a:rPr>
-              <a:t>This means that instead of adding properties for each import, you add parameters to a constructor for each import. To use this, follow the following steps.</a:t>
-            </a:r>
-            <a:r>
-              <a:rPr lang="en-US" sz="1200" dirty="0" smtClean="0"/>
-              <a:t/>
-            </a:r>
-            <a:br>
-              <a:rPr lang="en-US" sz="1200" dirty="0" smtClean="0"/>
-            </a:br>
-            <a:endParaRPr lang="pt-PT" sz="1200" b="0" i="0" kern="1200" dirty="0" smtClean="0">
-              <a:solidFill>
-                <a:schemeClr val="tx1"/>
-              </a:solidFill>
-              <a:latin typeface="+mn-lt"/>
-              <a:ea typeface="+mn-ea"/>
-              <a:cs typeface="+mn-cs"/>
-            </a:endParaRPr>
-          </a:p>
-          <a:p>
-            <a:r>
-              <a:rPr lang="en-US" sz="1800" b="1" i="0" kern="1200" dirty="0" smtClean="0">
-                <a:solidFill>
-                  <a:schemeClr val="tx1"/>
-                </a:solidFill>
-                <a:latin typeface="+mn-lt"/>
-                <a:ea typeface="+mn-ea"/>
-                <a:cs typeface="+mn-cs"/>
-              </a:rPr>
-              <a:t>Parameter imports</a:t>
-            </a:r>
-            <a:r>
-              <a:rPr lang="en-US" sz="1200" dirty="0" smtClean="0"/>
-              <a:t/>
-            </a:r>
-            <a:br>
-              <a:rPr lang="en-US" sz="1200" dirty="0" smtClean="0"/>
-            </a:br>
-            <a:r>
-              <a:rPr lang="en-US" sz="1200" dirty="0" smtClean="0"/>
-              <a:t/>
-            </a:r>
-            <a:br>
-              <a:rPr lang="en-US" sz="1200" dirty="0" smtClean="0"/>
-            </a:br>
-            <a:r>
-              <a:rPr lang="en-US" sz="1800" b="0" i="0" kern="1200" dirty="0" smtClean="0">
-                <a:solidFill>
-                  <a:schemeClr val="tx1"/>
-                </a:solidFill>
-                <a:latin typeface="+mn-lt"/>
-                <a:ea typeface="+mn-ea"/>
-                <a:cs typeface="+mn-cs"/>
-              </a:rPr>
-              <a:t>There are several different </a:t>
-            </a:r>
-            <a:r>
-              <a:rPr lang="en-US" sz="1800" b="0" i="0" kern="1200" dirty="0" err="1" smtClean="0">
-                <a:solidFill>
-                  <a:schemeClr val="tx1"/>
-                </a:solidFill>
-                <a:latin typeface="+mn-lt"/>
-                <a:ea typeface="+mn-ea"/>
-                <a:cs typeface="+mn-cs"/>
-              </a:rPr>
-              <a:t>different</a:t>
-            </a:r>
-            <a:r>
-              <a:rPr lang="en-US" sz="1800" b="0" i="0" kern="1200" dirty="0" smtClean="0">
-                <a:solidFill>
-                  <a:schemeClr val="tx1"/>
-                </a:solidFill>
-                <a:latin typeface="+mn-lt"/>
-                <a:ea typeface="+mn-ea"/>
-                <a:cs typeface="+mn-cs"/>
-              </a:rPr>
-              <a:t> ways to define imports on the constructor.</a:t>
-            </a:r>
-            <a:r>
-              <a:rPr lang="en-US" sz="1200" dirty="0" smtClean="0"/>
-              <a:t/>
-            </a:r>
-            <a:br>
-              <a:rPr lang="en-US" sz="1200" dirty="0" smtClean="0"/>
-            </a:br>
-            <a:r>
-              <a:rPr lang="en-US" sz="1200" dirty="0" smtClean="0"/>
-              <a:t/>
-            </a:r>
-            <a:br>
-              <a:rPr lang="en-US" sz="1200" dirty="0" smtClean="0"/>
-            </a:br>
-            <a:r>
-              <a:rPr lang="en-US" sz="1800" b="0" i="0" kern="1200" dirty="0" smtClean="0">
-                <a:solidFill>
-                  <a:schemeClr val="tx1"/>
-                </a:solidFill>
-                <a:latin typeface="+mn-lt"/>
-                <a:ea typeface="+mn-ea"/>
-                <a:cs typeface="+mn-cs"/>
-              </a:rPr>
-              <a:t>1. Implied import - By default the container will use the type of the parameter to identify the contract. For example in the code below, the </a:t>
-            </a:r>
-            <a:r>
-              <a:rPr lang="en-US" sz="1800" b="0" i="0" kern="1200" dirty="0" err="1" smtClean="0">
-                <a:solidFill>
-                  <a:schemeClr val="tx1"/>
-                </a:solidFill>
-                <a:latin typeface="+mn-lt"/>
-                <a:ea typeface="+mn-ea"/>
-                <a:cs typeface="+mn-cs"/>
-              </a:rPr>
-              <a:t>IMessageSender</a:t>
-            </a:r>
-            <a:r>
-              <a:rPr lang="en-US" sz="1800" b="0" i="0" kern="1200" dirty="0" smtClean="0">
-                <a:solidFill>
-                  <a:schemeClr val="tx1"/>
-                </a:solidFill>
-                <a:latin typeface="+mn-lt"/>
-                <a:ea typeface="+mn-ea"/>
-                <a:cs typeface="+mn-cs"/>
-              </a:rPr>
-              <a:t> contract will be used.</a:t>
-            </a:r>
-          </a:p>
-          <a:p>
-            <a:endParaRPr lang="en-US" sz="1800" b="0" i="0" kern="1200" dirty="0" smtClean="0">
-              <a:solidFill>
-                <a:schemeClr val="tx1"/>
-              </a:solidFill>
-              <a:latin typeface="+mn-lt"/>
-              <a:ea typeface="+mn-ea"/>
-              <a:cs typeface="+mn-cs"/>
-            </a:endParaRPr>
-          </a:p>
-          <a:p>
-            <a:pPr algn="l"/>
-            <a:r>
-              <a:rPr lang="en-US" sz="1800" b="0" i="0" kern="1200" dirty="0" smtClean="0">
-                <a:solidFill>
-                  <a:schemeClr val="tx1"/>
-                </a:solidFill>
-                <a:latin typeface="+mn-lt"/>
-                <a:ea typeface="+mn-ea"/>
-                <a:cs typeface="+mn-cs"/>
-              </a:rPr>
-              <a:t>2. Explicit import - If you want to specify the contract to be imported </a:t>
-            </a:r>
-          </a:p>
-          <a:p>
-            <a:pPr algn="l"/>
-            <a:r>
-              <a:rPr lang="en-US" sz="1800" b="0" i="0" kern="1200" dirty="0" smtClean="0">
-                <a:solidFill>
-                  <a:schemeClr val="tx1"/>
-                </a:solidFill>
-                <a:latin typeface="+mn-lt"/>
-                <a:ea typeface="+mn-ea"/>
-                <a:cs typeface="+mn-cs"/>
-              </a:rPr>
-              <a:t> </a:t>
-            </a:r>
-          </a:p>
-          <a:p>
-            <a:pPr fontAlgn="base"/>
-            <a:r>
-              <a:rPr lang="en-US" sz="1800" b="0" i="0" kern="1200" dirty="0" smtClean="0">
-                <a:solidFill>
-                  <a:schemeClr val="tx1"/>
-                </a:solidFill>
-                <a:latin typeface="+mn-lt"/>
-                <a:ea typeface="+mn-ea"/>
-                <a:cs typeface="+mn-cs"/>
-              </a:rPr>
-              <a:t>Optional imports</a:t>
-            </a:r>
-          </a:p>
-          <a:p>
-            <a:r>
-              <a:rPr lang="en-US" sz="1800" b="0" i="0" kern="1200" dirty="0" smtClean="0">
-                <a:solidFill>
-                  <a:schemeClr val="tx1"/>
-                </a:solidFill>
-                <a:latin typeface="+mn-lt"/>
-                <a:ea typeface="+mn-ea"/>
-                <a:cs typeface="+mn-cs"/>
-              </a:rPr>
-              <a:t>MEF allows you to specify that an import is optional. When you enable this, the container will provide an export if one is available otherwise it will set the import to Default(T). To make an import optional, </a:t>
-            </a:r>
-            <a:r>
-              <a:rPr lang="en-US" sz="1800" b="0" i="0" kern="1200" dirty="0" err="1" smtClean="0">
-                <a:solidFill>
-                  <a:schemeClr val="tx1"/>
-                </a:solidFill>
-                <a:latin typeface="+mn-lt"/>
-                <a:ea typeface="+mn-ea"/>
-                <a:cs typeface="+mn-cs"/>
-              </a:rPr>
-              <a:t>setAllowDefault</a:t>
-            </a:r>
-            <a:r>
-              <a:rPr lang="en-US" sz="1800" b="0" i="0" kern="1200" dirty="0" smtClean="0">
-                <a:solidFill>
-                  <a:schemeClr val="tx1"/>
-                </a:solidFill>
-                <a:latin typeface="+mn-lt"/>
-                <a:ea typeface="+mn-ea"/>
-                <a:cs typeface="+mn-cs"/>
-              </a:rPr>
-              <a:t>=true on the import as below.</a:t>
-            </a:r>
-            <a:endParaRPr lang="pt-PT" sz="1200" dirty="0" smtClean="0"/>
-          </a:p>
-          <a:p>
+            <a:pPr fontAlgn="ctr"/>
             <a:endParaRPr lang="pt-PT" dirty="0"/>
           </a:p>
         </p:txBody>
@@ -1338,26 +1134,254 @@
             <p:ph type="sldImg"/>
           </p:nvPr>
         </p:nvSpPr>
+        <p:spPr>
+          <a:xfrm>
+            <a:off x="952500" y="685800"/>
+            <a:ext cx="4953000" cy="3429000"/>
+          </a:xfrm>
+        </p:spPr>
+      </p:sp>
+      <p:sp>
+        <p:nvSpPr>
+          <p:cNvPr id="3" name="Notes Placeholder 2"/>
+          <p:cNvSpPr>
+            <a:spLocks noGrp="1"/>
+          </p:cNvSpPr>
+          <p:nvPr>
+            <p:ph type="body" idx="1"/>
+          </p:nvPr>
+        </p:nvSpPr>
         <p:spPr/>
-      </p:sp>
-      <p:sp>
-        <p:nvSpPr>
-          <p:cNvPr id="3" name="Notes Placeholder 2"/>
-          <p:cNvSpPr>
-            <a:spLocks noGrp="1"/>
-          </p:cNvSpPr>
-          <p:nvPr>
-            <p:ph type="body" idx="1"/>
-          </p:nvPr>
-        </p:nvSpPr>
-        <p:spPr/>
         <p:txBody>
           <a:bodyPr>
-            <a:normAutofit lnSpcReduction="10000"/>
+            <a:normAutofit fontScale="77500" lnSpcReduction="20000"/>
           </a:bodyPr>
           <a:lstStyle/>
           <a:p>
-            <a:endParaRPr lang="pt-PT" sz="1000" dirty="0"/>
+            <a:r>
+              <a:rPr lang="en-US" sz="1200" b="0" i="0" kern="1200" dirty="0" smtClean="0">
+                <a:solidFill>
+                  <a:schemeClr val="tx1"/>
+                </a:solidFill>
+                <a:latin typeface="+mn-lt"/>
+                <a:ea typeface="+mn-ea"/>
+                <a:cs typeface="+mn-cs"/>
+              </a:rPr>
+              <a:t>This means that instead of adding properties for each import, you add parameters to a constructor for each import. To use this, follow the following steps.</a:t>
+            </a:r>
+            <a:r>
+              <a:rPr lang="en-US" sz="1200" dirty="0" smtClean="0"/>
+              <a:t/>
+            </a:r>
+            <a:br>
+              <a:rPr lang="en-US" sz="1200" dirty="0" smtClean="0"/>
+            </a:br>
+            <a:endParaRPr lang="pt-PT" sz="1200" b="0" i="0" kern="1200" dirty="0" smtClean="0">
+              <a:solidFill>
+                <a:schemeClr val="tx1"/>
+              </a:solidFill>
+              <a:latin typeface="+mn-lt"/>
+              <a:ea typeface="+mn-ea"/>
+              <a:cs typeface="+mn-cs"/>
+            </a:endParaRPr>
+          </a:p>
+          <a:p>
+            <a:r>
+              <a:rPr lang="en-US" sz="1800" b="1" i="0" kern="1200" dirty="0" smtClean="0">
+                <a:solidFill>
+                  <a:schemeClr val="tx1"/>
+                </a:solidFill>
+                <a:latin typeface="+mn-lt"/>
+                <a:ea typeface="+mn-ea"/>
+                <a:cs typeface="+mn-cs"/>
+              </a:rPr>
+              <a:t>Parameter imports</a:t>
+            </a:r>
+            <a:r>
+              <a:rPr lang="en-US" sz="1200" dirty="0" smtClean="0"/>
+              <a:t/>
+            </a:r>
+            <a:br>
+              <a:rPr lang="en-US" sz="1200" dirty="0" smtClean="0"/>
+            </a:br>
+            <a:r>
+              <a:rPr lang="en-US" sz="1200" dirty="0" smtClean="0"/>
+              <a:t/>
+            </a:r>
+            <a:br>
+              <a:rPr lang="en-US" sz="1200" dirty="0" smtClean="0"/>
+            </a:br>
+            <a:r>
+              <a:rPr lang="en-US" sz="1800" b="0" i="0" kern="1200" dirty="0" smtClean="0">
+                <a:solidFill>
+                  <a:schemeClr val="tx1"/>
+                </a:solidFill>
+                <a:latin typeface="+mn-lt"/>
+                <a:ea typeface="+mn-ea"/>
+                <a:cs typeface="+mn-cs"/>
+              </a:rPr>
+              <a:t>There are several different </a:t>
+            </a:r>
+            <a:r>
+              <a:rPr lang="en-US" sz="1800" b="0" i="0" kern="1200" dirty="0" err="1" smtClean="0">
+                <a:solidFill>
+                  <a:schemeClr val="tx1"/>
+                </a:solidFill>
+                <a:latin typeface="+mn-lt"/>
+                <a:ea typeface="+mn-ea"/>
+                <a:cs typeface="+mn-cs"/>
+              </a:rPr>
+              <a:t>different</a:t>
+            </a:r>
+            <a:r>
+              <a:rPr lang="en-US" sz="1800" b="0" i="0" kern="1200" dirty="0" smtClean="0">
+                <a:solidFill>
+                  <a:schemeClr val="tx1"/>
+                </a:solidFill>
+                <a:latin typeface="+mn-lt"/>
+                <a:ea typeface="+mn-ea"/>
+                <a:cs typeface="+mn-cs"/>
+              </a:rPr>
+              <a:t> ways to define imports on the constructor.</a:t>
+            </a:r>
+            <a:r>
+              <a:rPr lang="en-US" sz="1200" dirty="0" smtClean="0"/>
+              <a:t/>
+            </a:r>
+            <a:br>
+              <a:rPr lang="en-US" sz="1200" dirty="0" smtClean="0"/>
+            </a:br>
+            <a:r>
+              <a:rPr lang="en-US" sz="1200" dirty="0" smtClean="0"/>
+              <a:t/>
+            </a:r>
+            <a:br>
+              <a:rPr lang="en-US" sz="1200" dirty="0" smtClean="0"/>
+            </a:br>
+            <a:r>
+              <a:rPr lang="en-US" sz="1800" b="0" i="0" kern="1200" dirty="0" smtClean="0">
+                <a:solidFill>
+                  <a:schemeClr val="tx1"/>
+                </a:solidFill>
+                <a:latin typeface="+mn-lt"/>
+                <a:ea typeface="+mn-ea"/>
+                <a:cs typeface="+mn-cs"/>
+              </a:rPr>
+              <a:t>1. Implied import - By default the container will use the type of the parameter to identify the contract. For example in the code below, the </a:t>
+            </a:r>
+            <a:r>
+              <a:rPr lang="en-US" sz="1800" b="0" i="0" kern="1200" dirty="0" err="1" smtClean="0">
+                <a:solidFill>
+                  <a:schemeClr val="tx1"/>
+                </a:solidFill>
+                <a:latin typeface="+mn-lt"/>
+                <a:ea typeface="+mn-ea"/>
+                <a:cs typeface="+mn-cs"/>
+              </a:rPr>
+              <a:t>IMessageSender</a:t>
+            </a:r>
+            <a:r>
+              <a:rPr lang="en-US" sz="1800" b="0" i="0" kern="1200" dirty="0" smtClean="0">
+                <a:solidFill>
+                  <a:schemeClr val="tx1"/>
+                </a:solidFill>
+                <a:latin typeface="+mn-lt"/>
+                <a:ea typeface="+mn-ea"/>
+                <a:cs typeface="+mn-cs"/>
+              </a:rPr>
+              <a:t> contract will be used.</a:t>
+            </a:r>
+          </a:p>
+          <a:p>
+            <a:endParaRPr lang="en-US" sz="1800" b="0" i="0" kern="1200" dirty="0" smtClean="0">
+              <a:solidFill>
+                <a:schemeClr val="tx1"/>
+              </a:solidFill>
+              <a:latin typeface="+mn-lt"/>
+              <a:ea typeface="+mn-ea"/>
+              <a:cs typeface="+mn-cs"/>
+            </a:endParaRPr>
+          </a:p>
+          <a:p>
+            <a:pPr algn="l"/>
+            <a:r>
+              <a:rPr lang="en-US" sz="1800" b="0" i="0" kern="1200" dirty="0" smtClean="0">
+                <a:solidFill>
+                  <a:schemeClr val="tx1"/>
+                </a:solidFill>
+                <a:latin typeface="+mn-lt"/>
+                <a:ea typeface="+mn-ea"/>
+                <a:cs typeface="+mn-cs"/>
+              </a:rPr>
+              <a:t>2. Explicit import - If you want to specify the contract to be imported </a:t>
+            </a:r>
+          </a:p>
+          <a:p>
+            <a:pPr algn="l"/>
+            <a:r>
+              <a:rPr lang="en-US" sz="1800" b="0" i="0" kern="1200" dirty="0" smtClean="0">
+                <a:solidFill>
+                  <a:schemeClr val="tx1"/>
+                </a:solidFill>
+                <a:latin typeface="+mn-lt"/>
+                <a:ea typeface="+mn-ea"/>
+                <a:cs typeface="+mn-cs"/>
+              </a:rPr>
+              <a:t> </a:t>
+            </a:r>
+          </a:p>
+          <a:p>
+            <a:pPr fontAlgn="base"/>
+            <a:r>
+              <a:rPr lang="en-US" sz="1800" b="0" i="0" kern="1200" dirty="0" smtClean="0">
+                <a:solidFill>
+                  <a:schemeClr val="tx1"/>
+                </a:solidFill>
+                <a:latin typeface="+mn-lt"/>
+                <a:ea typeface="+mn-ea"/>
+                <a:cs typeface="+mn-cs"/>
+              </a:rPr>
+              <a:t>Optional imports</a:t>
+            </a:r>
+          </a:p>
+          <a:p>
+            <a:r>
+              <a:rPr lang="en-US" sz="1800" b="0" i="0" kern="1200" dirty="0" smtClean="0">
+                <a:solidFill>
+                  <a:schemeClr val="tx1"/>
+                </a:solidFill>
+                <a:latin typeface="+mn-lt"/>
+                <a:ea typeface="+mn-ea"/>
+                <a:cs typeface="+mn-cs"/>
+              </a:rPr>
+              <a:t>MEF allows you to specify that an import is optional. When you enable this, the container will provide an export if one is available otherwise it will set the import to Default(T). To make an import optional, </a:t>
+            </a:r>
+            <a:r>
+              <a:rPr lang="en-US" sz="1800" b="0" i="0" kern="1200" dirty="0" err="1" smtClean="0">
+                <a:solidFill>
+                  <a:schemeClr val="tx1"/>
+                </a:solidFill>
+                <a:latin typeface="+mn-lt"/>
+                <a:ea typeface="+mn-ea"/>
+                <a:cs typeface="+mn-cs"/>
+              </a:rPr>
+              <a:t>setAllowDefault</a:t>
+            </a:r>
+            <a:r>
+              <a:rPr lang="en-US" sz="1800" b="0" i="0" kern="1200" dirty="0" smtClean="0">
+                <a:solidFill>
+                  <a:schemeClr val="tx1"/>
+                </a:solidFill>
+                <a:latin typeface="+mn-lt"/>
+                <a:ea typeface="+mn-ea"/>
+                <a:cs typeface="+mn-cs"/>
+              </a:rPr>
+              <a:t>=true on the import as below.</a:t>
+            </a:r>
+            <a:endParaRPr lang="pt-PT" sz="1200" dirty="0" smtClean="0"/>
+          </a:p>
+          <a:p>
+            <a:endParaRPr lang="pt-PT" dirty="0"/>
           </a:p>
         </p:txBody>
       </p:sp>
@@ -1420,37 +1444,31 @@
             <p:ph type="sldImg"/>
           </p:nvPr>
         </p:nvSpPr>
+        <p:spPr>
+          <a:xfrm>
+            <a:off x="952500" y="685800"/>
+            <a:ext cx="4953000" cy="3429000"/>
+          </a:xfrm>
+        </p:spPr>
+      </p:sp>
+      <p:sp>
+        <p:nvSpPr>
+          <p:cNvPr id="3" name="Notes Placeholder 2"/>
+          <p:cNvSpPr>
+            <a:spLocks noGrp="1"/>
+          </p:cNvSpPr>
+          <p:nvPr>
+            <p:ph type="body" idx="1"/>
+          </p:nvPr>
+        </p:nvSpPr>
         <p:spPr/>
-      </p:sp>
-      <p:sp>
-        <p:nvSpPr>
-          <p:cNvPr id="3" name="Notes Placeholder 2"/>
-          <p:cNvSpPr>
-            <a:spLocks noGrp="1"/>
-          </p:cNvSpPr>
-          <p:nvPr>
-            <p:ph type="body" idx="1"/>
-          </p:nvPr>
-        </p:nvSpPr>
-        <p:spPr/>
         <p:txBody>
           <a:bodyPr>
-            <a:normAutofit/>
+            <a:normAutofit lnSpcReduction="10000"/>
           </a:bodyPr>
           <a:lstStyle/>
           <a:p>
-            <a:r>
-              <a:rPr lang="en-US" sz="1200" b="0" i="0" kern="1200" dirty="0" smtClean="0">
-                <a:solidFill>
-                  <a:schemeClr val="tx1"/>
-                </a:solidFill>
-                <a:latin typeface="+mn-lt"/>
-                <a:ea typeface="+mn-ea"/>
-                <a:cs typeface="+mn-cs"/>
-              </a:rPr>
-              <a:t>When using child containers it may be important to filter catalogs based on some specific criteria. For example, it is common to filter based on part's creation policy. </a:t>
-            </a:r>
-            <a:endParaRPr lang="pt-PT" dirty="0"/>
+            <a:endParaRPr lang="pt-PT" sz="1000" dirty="0"/>
           </a:p>
         </p:txBody>
       </p:sp>
@@ -1472,7 +1490,7 @@
             <a:fld id="{4A3EE754-1482-4D08-B801-58AD7081021E}" type="slidenum">
               <a:rPr lang="pt-PT" smtClean="0"/>
               <a:pPr/>
-              <a:t>26</a:t>
+              <a:t>25</a:t>
             </a:fld>
             <a:endParaRPr lang="pt-PT"/>
           </a:p>
@@ -1537,18 +1555,29 @@
           </a:bodyPr>
           <a:lstStyle/>
           <a:p>
-            <a:endParaRPr lang="en-US" dirty="0"/>
-          </a:p>
-        </p:txBody>
-      </p:sp>
-      <p:sp>
-        <p:nvSpPr>
-          <p:cNvPr id="4" name="Header Placeholder 3"/>
+            <a:r>
+              <a:rPr lang="en-US" sz="1200" b="0" i="0" kern="1200" dirty="0" smtClean="0">
+                <a:solidFill>
+                  <a:schemeClr val="tx1"/>
+                </a:solidFill>
+                <a:latin typeface="+mn-lt"/>
+                <a:ea typeface="+mn-ea"/>
+                <a:cs typeface="+mn-cs"/>
+              </a:rPr>
+              <a:t>When using child containers it may be important to filter catalogs based on some specific criteria. For example, it is common to filter based on part's creation policy. </a:t>
+            </a:r>
+            <a:endParaRPr lang="pt-PT" dirty="0"/>
+          </a:p>
+        </p:txBody>
+      </p:sp>
+      <p:sp>
+        <p:nvSpPr>
+          <p:cNvPr id="4" name="Slide Number Placeholder 3"/>
           <p:cNvSpPr>
             <a:spLocks noGrp="1"/>
           </p:cNvSpPr>
           <p:nvPr>
-            <p:ph type="hdr" sz="quarter" idx="10"/>
+            <p:ph type="sldNum" sz="quarter" idx="10"/>
           </p:nvPr>
         </p:nvSpPr>
         <p:spPr/>
@@ -1556,115 +1585,12 @@
           <a:bodyPr/>
           <a:lstStyle/>
           <a:p>
-            <a:endParaRPr lang="en-US" dirty="0"/>
-          </a:p>
-        </p:txBody>
-      </p:sp>
-      <p:sp>
-        <p:nvSpPr>
-          <p:cNvPr id="5" name="Date Placeholder 4"/>
-          <p:cNvSpPr>
-            <a:spLocks noGrp="1"/>
-          </p:cNvSpPr>
-          <p:nvPr>
-            <p:ph type="dt" idx="11"/>
-          </p:nvPr>
-        </p:nvSpPr>
-        <p:spPr/>
-        <p:txBody>
-          <a:bodyPr/>
-          <a:lstStyle/>
-          <a:p>
-            <a:fld id="{81331B57-0BE5-4F82-AA58-76F53EFF3ADA}" type="datetime8">
-              <a:rPr lang="en-US" smtClean="0"/>
-              <a:pPr/>
-              <a:t>7/3/2014 5:28 PM</a:t>
-            </a:fld>
-            <a:endParaRPr lang="en-US" dirty="0"/>
-          </a:p>
-        </p:txBody>
-      </p:sp>
-      <p:sp>
-        <p:nvSpPr>
-          <p:cNvPr id="6" name="Footer Placeholder 5"/>
-          <p:cNvSpPr>
-            <a:spLocks noGrp="1"/>
-          </p:cNvSpPr>
-          <p:nvPr>
-            <p:ph type="ftr" sz="quarter" idx="12"/>
-          </p:nvPr>
-        </p:nvSpPr>
-        <p:spPr/>
-        <p:txBody>
-          <a:bodyPr/>
-          <a:lstStyle/>
-          <a:p>
-            <a:r>
-              <a:rPr lang="en-US" dirty="0" smtClean="0">
-                <a:solidFill>
-                  <a:srgbClr val="000000"/>
-                </a:solidFill>
-                <a:latin typeface="Calibri" pitchFamily="34" charset="0"/>
-              </a:rPr>
-              <a:t>© 2008 Microsoft Corporation. All rights reserved. Microsoft, Windows, Windows Vista and other product names are or may be registered trademarks and/or trademarks in the U.S. and/or other countries.</a:t>
-            </a:r>
-          </a:p>
-          <a:p>
-            <a:r>
-              <a:rPr lang="en-US" dirty="0" smtClean="0">
-                <a:solidFill>
-                  <a:srgbClr val="000000"/>
-                </a:solidFill>
-                <a:latin typeface="Calibri" pitchFamily="34" charset="0"/>
-              </a:rPr>
-              <a:t>The information herein is for informational purposes only and represents the current view of Microsoft Corporation as of the date of this presentation.  Because Microsoft must respond to changing market conditions, it should not be interpreted to be a commitment on the part of Microsoft, and Microsoft cannot guarantee the accuracy of any information provided after the date of this presentation.  </a:t>
-            </a:r>
-            <a:br>
-              <a:rPr lang="en-US" dirty="0" smtClean="0">
-                <a:solidFill>
-                  <a:srgbClr val="000000"/>
-                </a:solidFill>
-                <a:latin typeface="Calibri" pitchFamily="34" charset="0"/>
-              </a:rPr>
-            </a:br>
-            <a:r>
-              <a:rPr lang="en-US" dirty="0" smtClean="0">
-                <a:solidFill>
-                  <a:srgbClr val="000000"/>
-                </a:solidFill>
-                <a:latin typeface="Calibri" pitchFamily="34" charset="0"/>
-              </a:rPr>
-              <a:t>MICROSOFT MAKES NO WARRANTIES, EXPRESS, IMPLIED OR STATUTORY, AS TO THE INFORMATION IN THIS PRESENTATION.</a:t>
-            </a:r>
-          </a:p>
-          <a:p>
-            <a:endParaRPr lang="en-US" dirty="0">
-              <a:latin typeface="Calibri" pitchFamily="34" charset="0"/>
-            </a:endParaRPr>
-          </a:p>
-        </p:txBody>
-      </p:sp>
-      <p:sp>
-        <p:nvSpPr>
-          <p:cNvPr id="7" name="Slide Number Placeholder 6"/>
-          <p:cNvSpPr>
-            <a:spLocks noGrp="1"/>
-          </p:cNvSpPr>
-          <p:nvPr>
-            <p:ph type="sldNum" sz="quarter" idx="13"/>
-          </p:nvPr>
-        </p:nvSpPr>
-        <p:spPr/>
-        <p:txBody>
-          <a:bodyPr/>
-          <a:lstStyle/>
-          <a:p>
-            <a:fld id="{EC87E0CF-87F6-4B58-B8B8-DCAB2DAAF3CA}" type="slidenum">
-              <a:rPr lang="en-US" smtClean="0"/>
+            <a:fld id="{4A3EE754-1482-4D08-B801-58AD7081021E}" type="slidenum">
+              <a:rPr lang="pt-PT" smtClean="0"/>
               <a:pPr/>
               <a:t>27</a:t>
             </a:fld>
-            <a:endParaRPr lang="en-US" dirty="0"/>
+            <a:endParaRPr lang="pt-PT"/>
           </a:p>
         </p:txBody>
       </p:sp>
@@ -1703,7 +1629,145 @@
             <p:ph type="sldImg"/>
           </p:nvPr>
         </p:nvSpPr>
+        <p:spPr>
+          <a:xfrm>
+            <a:off x="952500" y="685800"/>
+            <a:ext cx="4953000" cy="3429000"/>
+          </a:xfrm>
+        </p:spPr>
+      </p:sp>
+      <p:sp>
+        <p:nvSpPr>
+          <p:cNvPr id="3" name="Notes Placeholder 2"/>
+          <p:cNvSpPr>
+            <a:spLocks noGrp="1"/>
+          </p:cNvSpPr>
+          <p:nvPr>
+            <p:ph type="body" idx="1"/>
+          </p:nvPr>
+        </p:nvSpPr>
         <p:spPr/>
+        <p:txBody>
+          <a:bodyPr/>
+          <a:lstStyle/>
+          <a:p>
+            <a:r>
+              <a:rPr lang="pt-PT" dirty="0" smtClean="0"/>
+              <a:t>Para quem</a:t>
+            </a:r>
+            <a:r>
+              <a:rPr lang="pt-PT" baseline="0" dirty="0" smtClean="0"/>
+              <a:t> puder ir preenchendo, assim não chateio mais logo </a:t>
+            </a:r>
+            <a:r>
+              <a:rPr lang="pt-PT" baseline="0" dirty="0" smtClean="0">
+                <a:sym typeface="Wingdings" panose="05000000000000000000" pitchFamily="2" charset="2"/>
+              </a:rPr>
+              <a:t></a:t>
+            </a:r>
+          </a:p>
+          <a:p>
+            <a:r>
+              <a:rPr lang="pt-PT" baseline="0" dirty="0" smtClean="0">
+                <a:sym typeface="Wingdings" panose="05000000000000000000" pitchFamily="2" charset="2"/>
+              </a:rPr>
+              <a:t>É importante para recebermos nós feedback, e para darmos feedback aos nossos oradores</a:t>
+            </a:r>
+          </a:p>
+          <a:p>
+            <a:endParaRPr lang="pt-PT" baseline="0" dirty="0" smtClean="0">
+              <a:sym typeface="Wingdings" panose="05000000000000000000" pitchFamily="2" charset="2"/>
+            </a:endParaRPr>
+          </a:p>
+          <a:p>
+            <a:r>
+              <a:rPr lang="en-GB" dirty="0" smtClean="0">
+                <a:hlinkClick r:id="rId3"/>
+              </a:rPr>
+              <a:t>http://goqr.me/</a:t>
+            </a:r>
+            <a:endParaRPr lang="en-US" dirty="0"/>
+          </a:p>
+        </p:txBody>
+      </p:sp>
+      <p:sp>
+        <p:nvSpPr>
+          <p:cNvPr id="4" name="Slide Number Placeholder 3"/>
+          <p:cNvSpPr>
+            <a:spLocks noGrp="1"/>
+          </p:cNvSpPr>
+          <p:nvPr>
+            <p:ph type="sldNum" sz="quarter" idx="10"/>
+          </p:nvPr>
+        </p:nvSpPr>
+        <p:spPr/>
+        <p:txBody>
+          <a:bodyPr/>
+          <a:lstStyle/>
+          <a:p>
+            <a:fld id="{4A3EE754-1482-4D08-B801-58AD7081021E}" type="slidenum">
+              <a:rPr lang="pt-PT" smtClean="0">
+                <a:solidFill>
+                  <a:prstClr val="black"/>
+                </a:solidFill>
+              </a:rPr>
+              <a:pPr/>
+              <a:t>35</a:t>
+            </a:fld>
+            <a:endParaRPr lang="pt-PT" dirty="0">
+              <a:solidFill>
+                <a:prstClr val="black"/>
+              </a:solidFill>
+            </a:endParaRPr>
+          </a:p>
+        </p:txBody>
+      </p:sp>
+    </p:spTree>
+    <p:extLst>
+      <p:ext uri="{BB962C8B-B14F-4D97-AF65-F5344CB8AC3E}">
+        <p14:creationId xmlns="" xmlns:p14="http://schemas.microsoft.com/office/powerpoint/2010/main" val="3722838127"/>
+      </p:ext>
+    </p:extLst>
+  </p:cSld>
+  <p:clrMapOvr>
+    <a:masterClrMapping/>
+  </p:clrMapOvr>
+</p:notes>
+</file>
+
+<file path=ppt/notesSlides/notesSlide8.xml><?xml version="1.0" encoding="utf-8"?>
+<p:notes xmlns:a="http://schemas.openxmlformats.org/drawingml/2006/main" xmlns:r="http://schemas.openxmlformats.org/officeDocument/2006/relationships" xmlns:p="http://schemas.openxmlformats.org/presentationml/2006/main">
+  <p:cSld>
+    <p:spTree>
+      <p:nvGrpSpPr>
+        <p:cNvPr id="1" name=""/>
+        <p:cNvGrpSpPr/>
+        <p:nvPr/>
+      </p:nvGrpSpPr>
+      <p:grpSpPr>
+        <a:xfrm>
+          <a:off x="0" y="0"/>
+          <a:ext cx="0" cy="0"/>
+          <a:chOff x="0" y="0"/>
+          <a:chExt cx="0" cy="0"/>
+        </a:xfrm>
+      </p:grpSpPr>
+      <p:sp>
+        <p:nvSpPr>
+          <p:cNvPr id="2" name="Slide Image Placeholder 1"/>
+          <p:cNvSpPr>
+            <a:spLocks noGrp="1" noRot="1" noChangeAspect="1"/>
+          </p:cNvSpPr>
+          <p:nvPr>
+            <p:ph type="sldImg"/>
+          </p:nvPr>
+        </p:nvSpPr>
+        <p:spPr>
+          <a:xfrm>
+            <a:off x="952500" y="685800"/>
+            <a:ext cx="4953000" cy="3429000"/>
+          </a:xfrm>
+        </p:spPr>
       </p:sp>
       <p:sp>
         <p:nvSpPr>
@@ -1742,7 +1806,7 @@
             <a:fld id="{4A3EE754-1482-4D08-B801-58AD7081021E}" type="slidenum">
               <a:rPr lang="pt-PT" smtClean="0"/>
               <a:pPr/>
-              <a:t>35</a:t>
+              <a:t>37</a:t>
             </a:fld>
             <a:endParaRPr lang="pt-PT"/>
           </a:p>
@@ -1798,7 +1862,7 @@
         </p:blipFill>
         <p:spPr bwMode="auto">
           <a:xfrm>
-            <a:off x="0" y="0"/>
+            <a:off x="0" y="2"/>
             <a:ext cx="9944100" cy="6886575"/>
           </a:xfrm>
           <a:prstGeom prst="rect">
@@ -1819,7 +1883,7 @@
         </p:nvSpPr>
         <p:spPr>
           <a:xfrm>
-            <a:off x="742950" y="2130426"/>
+            <a:off x="742950" y="2130430"/>
             <a:ext cx="8420100" cy="1470025"/>
           </a:xfrm>
         </p:spPr>
@@ -1979,7 +2043,7 @@
         </p:blipFill>
         <p:spPr bwMode="auto">
           <a:xfrm>
-            <a:off x="601075" y="571480"/>
+            <a:off x="601077" y="571480"/>
             <a:ext cx="7626350" cy="2817876"/>
           </a:xfrm>
           <a:prstGeom prst="rect">
@@ -2341,7 +2405,7 @@
         </p:nvSpPr>
         <p:spPr>
           <a:xfrm>
-            <a:off x="7181850" y="274639"/>
+            <a:off x="7181850" y="274643"/>
             <a:ext cx="2228850" cy="5851525"/>
           </a:xfrm>
         </p:spPr>
@@ -2375,7 +2439,7 @@
         </p:nvSpPr>
         <p:spPr>
           <a:xfrm>
-            <a:off x="495300" y="274639"/>
+            <a:off x="495300" y="274643"/>
             <a:ext cx="6521450" cy="5851525"/>
           </a:xfrm>
         </p:spPr>
@@ -2518,7 +2582,7 @@
         </p:blipFill>
         <p:spPr>
           <a:xfrm>
-            <a:off x="3332820" y="2852936"/>
+            <a:off x="3332821" y="2852936"/>
             <a:ext cx="5920307" cy="2864664"/>
           </a:xfrm>
           <a:prstGeom prst="rect">
@@ -2681,7 +2745,7 @@
         </p:nvSpPr>
         <p:spPr>
           <a:xfrm>
-            <a:off x="782506" y="4406901"/>
+            <a:off x="782506" y="4406905"/>
             <a:ext cx="8420100" cy="1362075"/>
           </a:xfrm>
         </p:spPr>
@@ -2894,7 +2958,7 @@
         </p:nvSpPr>
         <p:spPr>
           <a:xfrm>
-            <a:off x="495300" y="1600201"/>
+            <a:off x="495300" y="1600205"/>
             <a:ext cx="4375150" cy="4525963"/>
           </a:xfrm>
         </p:spPr>
@@ -2979,7 +3043,7 @@
         </p:nvSpPr>
         <p:spPr>
           <a:xfrm>
-            <a:off x="5035550" y="1600201"/>
+            <a:off x="5035550" y="1600205"/>
             <a:ext cx="4375150" cy="4525963"/>
           </a:xfrm>
         </p:spPr>
@@ -3488,7 +3552,7 @@
         </p:nvSpPr>
         <p:spPr>
           <a:xfrm>
-            <a:off x="495300" y="6356351"/>
+            <a:off x="495300" y="6356355"/>
             <a:ext cx="2311400" cy="365125"/>
           </a:xfrm>
           <a:prstGeom prst="rect">
@@ -3515,7 +3579,7 @@
         </p:nvSpPr>
         <p:spPr>
           <a:xfrm>
-            <a:off x="3384550" y="6356351"/>
+            <a:off x="3384550" y="6356355"/>
             <a:ext cx="3136900" cy="365125"/>
           </a:xfrm>
           <a:prstGeom prst="rect">
@@ -3542,7 +3606,7 @@
         </p:nvSpPr>
         <p:spPr>
           <a:xfrm>
-            <a:off x="7099300" y="6356351"/>
+            <a:off x="7099300" y="6356355"/>
             <a:ext cx="2311400" cy="365125"/>
           </a:xfrm>
           <a:prstGeom prst="rect">
@@ -3640,7 +3704,7 @@
         </p:blipFill>
         <p:spPr bwMode="auto">
           <a:xfrm>
-            <a:off x="2676144" y="1975561"/>
+            <a:off x="2676146" y="1975561"/>
             <a:ext cx="4553712" cy="2906878"/>
           </a:xfrm>
           <a:prstGeom prst="rect">
@@ -3666,7 +3730,7 @@
         </p:blipFill>
         <p:spPr bwMode="auto">
           <a:xfrm>
-            <a:off x="1483212" y="1520788"/>
+            <a:off x="1483212" y="1520792"/>
             <a:ext cx="6939577" cy="4429903"/>
           </a:xfrm>
           <a:prstGeom prst="rect">
@@ -3732,7 +3796,7 @@
         </p:blipFill>
         <p:spPr bwMode="auto">
           <a:xfrm>
-            <a:off x="0" y="0"/>
+            <a:off x="0" y="2"/>
             <a:ext cx="9944100" cy="6886575"/>
           </a:xfrm>
           <a:prstGeom prst="rect">
@@ -3787,7 +3851,7 @@
         </p:nvSpPr>
         <p:spPr>
           <a:xfrm>
-            <a:off x="495300" y="1600201"/>
+            <a:off x="495300" y="1600205"/>
             <a:ext cx="8915400" cy="4525963"/>
           </a:xfrm>
         </p:spPr>
@@ -3909,7 +3973,7 @@
         </p:nvSpPr>
         <p:spPr>
           <a:xfrm>
-            <a:off x="3872971" y="273051"/>
+            <a:off x="3872971" y="273055"/>
             <a:ext cx="5537729" cy="5853113"/>
           </a:xfrm>
         </p:spPr>
@@ -3994,7 +4058,7 @@
         </p:nvSpPr>
         <p:spPr>
           <a:xfrm>
-            <a:off x="495300" y="1435101"/>
+            <a:off x="495300" y="1435103"/>
             <a:ext cx="3259006" cy="4691063"/>
           </a:xfrm>
         </p:spPr>
@@ -4104,7 +4168,7 @@
         </p:blipFill>
         <p:spPr bwMode="auto">
           <a:xfrm>
-            <a:off x="0" y="0"/>
+            <a:off x="0" y="2"/>
             <a:ext cx="9944100" cy="6886575"/>
           </a:xfrm>
           <a:prstGeom prst="rect">
@@ -4158,7 +4222,7 @@
         </p:nvSpPr>
         <p:spPr>
           <a:xfrm>
-            <a:off x="495300" y="1600201"/>
+            <a:off x="495300" y="1600205"/>
             <a:ext cx="8915400" cy="4525963"/>
           </a:xfrm>
           <a:prstGeom prst="rect">
@@ -4255,7 +4319,7 @@
         </p:blipFill>
         <p:spPr bwMode="auto">
           <a:xfrm>
-            <a:off x="166654" y="6215082"/>
+            <a:off x="166655" y="6215086"/>
             <a:ext cx="1717675" cy="423863"/>
           </a:xfrm>
           <a:prstGeom prst="rect">
@@ -4280,7 +4344,7 @@
         </p:blipFill>
         <p:spPr>
           <a:xfrm>
-            <a:off x="4160912" y="6201308"/>
+            <a:off x="4160914" y="6201312"/>
             <a:ext cx="1117460" cy="393651"/>
           </a:xfrm>
           <a:prstGeom prst="rect">
@@ -4634,7 +4698,7 @@
         </p:nvSpPr>
         <p:spPr>
           <a:xfrm>
-            <a:off x="6643734" y="171424"/>
+            <a:off x="6643736" y="171424"/>
             <a:ext cx="3238488" cy="757246"/>
           </a:xfrm>
           <a:prstGeom prst="rect">
@@ -4998,51 +5062,7 @@
                   </a:schemeClr>
                 </a:solidFill>
               </a:rPr>
-              <a:t>49ª </a:t>
-            </a:r>
-            <a:r>
-              <a:rPr lang="pt-PT" sz="2800" b="1" dirty="0" smtClean="0">
-                <a:solidFill>
-                  <a:schemeClr val="tx1">
-                    <a:lumMod val="65000"/>
-                    <a:lumOff val="35000"/>
-                  </a:schemeClr>
-                </a:solidFill>
-              </a:rPr>
-              <a:t>Reunião Presencial </a:t>
-            </a:r>
-            <a:r>
-              <a:rPr lang="pt-PT" sz="2800" b="1" dirty="0" smtClean="0">
-                <a:solidFill>
-                  <a:schemeClr val="tx1">
-                    <a:lumMod val="65000"/>
-                    <a:lumOff val="35000"/>
-                  </a:schemeClr>
-                </a:solidFill>
-              </a:rPr>
-              <a:t>– 2</a:t>
-            </a:r>
-            <a:r>
-              <a:rPr lang="pt-PT" sz="2800" b="1" dirty="0" smtClean="0">
-                <a:solidFill>
-                  <a:schemeClr val="tx1">
-                    <a:lumMod val="65000"/>
-                    <a:lumOff val="35000"/>
-                  </a:schemeClr>
-                </a:solidFill>
-              </a:rPr>
-              <a:t>6</a:t>
-            </a:r>
-            <a:r>
-              <a:rPr lang="pt-PT" sz="2800" b="1" dirty="0" smtClean="0">
-                <a:solidFill>
-                  <a:schemeClr val="tx1">
-                    <a:lumMod val="65000"/>
-                    <a:lumOff val="35000"/>
-                  </a:schemeClr>
-                </a:solidFill>
-              </a:rPr>
-              <a:t>/07/2014 	</a:t>
+              <a:t>48ª Reunião Presencial – 26/07/2014 	</a:t>
             </a:r>
             <a:endParaRPr lang="pt-PT" sz="2800" b="1" dirty="0">
               <a:solidFill>
@@ -5373,7 +5393,7 @@
         </p:nvSpPr>
         <p:spPr>
           <a:xfrm>
-            <a:off x="488504" y="2957374"/>
+            <a:off x="488506" y="2957377"/>
             <a:ext cx="8820980" cy="943253"/>
           </a:xfrm>
         </p:spPr>
@@ -5522,7 +5542,7 @@
         </p:blipFill>
         <p:spPr>
           <a:xfrm>
-            <a:off x="812540" y="3212976"/>
+            <a:off x="812542" y="3212976"/>
             <a:ext cx="8147849" cy="2304256"/>
           </a:xfrm>
           <a:prstGeom prst="rect">
@@ -5703,7 +5723,7 @@
         </p:nvSpPr>
         <p:spPr>
           <a:xfrm>
-            <a:off x="542510" y="2957374"/>
+            <a:off x="542512" y="2957377"/>
             <a:ext cx="8820980" cy="943253"/>
           </a:xfrm>
         </p:spPr>
@@ -6038,13 +6058,8 @@
             </a:pPr>
             <a:r>
               <a:rPr lang="pt-PT" dirty="0" smtClean="0"/>
-              <a:t>Supported Platforms </a:t>
-            </a:r>
-            <a:r>
-              <a:rPr lang="pt-PT" dirty="0" smtClean="0"/>
-              <a:t>:</a:t>
-            </a:r>
-            <a:endParaRPr lang="pt-PT" dirty="0" smtClean="0"/>
+              <a:t>Supported Platforms :</a:t>
+            </a:r>
           </a:p>
           <a:p>
             <a:pPr lvl="1"/>
@@ -6052,62 +6067,34 @@
               <a:rPr lang="pt-PT" dirty="0" smtClean="0"/>
               <a:t> .NET Framework 4.5 </a:t>
             </a:r>
-            <a:endParaRPr lang="pt-PT" dirty="0" smtClean="0"/>
           </a:p>
           <a:p>
             <a:pPr lvl="1"/>
             <a:r>
               <a:rPr lang="pt-PT" dirty="0" smtClean="0"/>
-              <a:t> Windows </a:t>
-            </a:r>
+              <a:t> Windows 8 </a:t>
+            </a:r>
+          </a:p>
+          <a:p>
+            <a:pPr lvl="1"/>
             <a:r>
               <a:rPr lang="pt-PT" dirty="0" smtClean="0"/>
-              <a:t>8 </a:t>
-            </a:r>
-            <a:endParaRPr lang="pt-PT" dirty="0" smtClean="0"/>
+              <a:t> Windows Phone 8.1</a:t>
+            </a:r>
           </a:p>
           <a:p>
             <a:pPr lvl="1"/>
             <a:r>
               <a:rPr lang="pt-PT" dirty="0" smtClean="0"/>
-              <a:t> Windows </a:t>
-            </a:r>
+              <a:t> Windows Phone Silverlight 8</a:t>
+            </a:r>
+          </a:p>
+          <a:p>
+            <a:pPr lvl="1"/>
             <a:r>
               <a:rPr lang="pt-PT" dirty="0" smtClean="0"/>
-              <a:t>Phone </a:t>
-            </a:r>
-            <a:r>
-              <a:rPr lang="pt-PT" dirty="0" smtClean="0"/>
-              <a:t>8.1</a:t>
-            </a:r>
-            <a:endParaRPr lang="pt-PT" dirty="0" smtClean="0"/>
-          </a:p>
-          <a:p>
-            <a:pPr lvl="1"/>
-            <a:r>
-              <a:rPr lang="pt-PT" dirty="0" smtClean="0"/>
-              <a:t> </a:t>
-            </a:r>
-            <a:r>
-              <a:rPr lang="pt-PT" dirty="0" smtClean="0"/>
-              <a:t>Windows Phone Silverlight </a:t>
-            </a:r>
-            <a:r>
-              <a:rPr lang="pt-PT" dirty="0" smtClean="0"/>
-              <a:t>8</a:t>
-            </a:r>
-          </a:p>
-          <a:p>
-            <a:pPr lvl="1"/>
-            <a:r>
-              <a:rPr lang="pt-PT" dirty="0" smtClean="0"/>
-              <a:t> Portable </a:t>
-            </a:r>
-            <a:r>
-              <a:rPr lang="pt-PT" dirty="0" smtClean="0"/>
-              <a:t>Class Libraries</a:t>
-            </a:r>
-            <a:endParaRPr lang="pt-PT" dirty="0" smtClean="0"/>
+              <a:t> Portable Class Libraries</a:t>
+            </a:r>
           </a:p>
         </p:txBody>
       </p:sp>
@@ -6158,7 +6145,7 @@
         </p:nvSpPr>
         <p:spPr>
           <a:xfrm>
-            <a:off x="488504" y="2957374"/>
+            <a:off x="488506" y="2957377"/>
             <a:ext cx="8820980" cy="943253"/>
           </a:xfrm>
         </p:spPr>
@@ -6288,7 +6275,7 @@
         </p:nvSpPr>
         <p:spPr>
           <a:xfrm>
-            <a:off x="1100572" y="5877272"/>
+            <a:off x="1100572" y="5877276"/>
             <a:ext cx="8352928" cy="276999"/>
           </a:xfrm>
           <a:prstGeom prst="rect">
@@ -6406,33 +6393,20 @@
             <a:pPr lvl="1"/>
             <a:r>
               <a:rPr lang="pt-PT" dirty="0" smtClean="0"/>
-              <a:t> Expose </a:t>
-            </a:r>
+              <a:t> Expose the object</a:t>
+            </a:r>
+          </a:p>
+          <a:p>
             <a:r>
               <a:rPr lang="pt-PT" dirty="0" smtClean="0"/>
-              <a:t>the object</a:t>
-            </a:r>
-          </a:p>
-          <a:p>
+              <a:t>Declare Imports</a:t>
+            </a:r>
+          </a:p>
+          <a:p>
+            <a:pPr lvl="1"/>
             <a:r>
               <a:rPr lang="pt-PT" dirty="0" smtClean="0"/>
-              <a:t>Declare </a:t>
-            </a:r>
-            <a:r>
-              <a:rPr lang="pt-PT" dirty="0" smtClean="0"/>
-              <a:t>Imports</a:t>
-            </a:r>
-            <a:endParaRPr lang="pt-PT" dirty="0" smtClean="0"/>
-          </a:p>
-          <a:p>
-            <a:pPr lvl="1"/>
-            <a:r>
-              <a:rPr lang="pt-PT" dirty="0" smtClean="0"/>
-              <a:t> Consume </a:t>
-            </a:r>
-            <a:r>
-              <a:rPr lang="pt-PT" dirty="0" smtClean="0"/>
-              <a:t>the objects</a:t>
+              <a:t> Consume the objects</a:t>
             </a:r>
             <a:endParaRPr lang="pt-PT" dirty="0"/>
           </a:p>
@@ -6514,7 +6488,7 @@
         </p:nvSpPr>
         <p:spPr>
           <a:xfrm>
-            <a:off x="495300" y="1600201"/>
+            <a:off x="495300" y="1600205"/>
             <a:ext cx="8915400" cy="4817131"/>
           </a:xfrm>
         </p:spPr>
@@ -6658,7 +6632,7 @@
         </p:blipFill>
         <p:spPr>
           <a:xfrm>
-            <a:off x="7833320" y="2060848"/>
+            <a:off x="7833322" y="2060852"/>
             <a:ext cx="1209675" cy="1209675"/>
           </a:xfrm>
           <a:prstGeom prst="rect">
@@ -6682,7 +6656,7 @@
         </p:blipFill>
         <p:spPr>
           <a:xfrm>
-            <a:off x="7869324" y="1592796"/>
+            <a:off x="7869324" y="1592800"/>
             <a:ext cx="1117460" cy="393651"/>
           </a:xfrm>
           <a:prstGeom prst="rect">
@@ -6836,82 +6810,44 @@
       </p:grpSpPr>
       <p:sp>
         <p:nvSpPr>
-          <p:cNvPr id="2" name="Title 1"/>
+          <p:cNvPr id="2" name="Text Placeholder 6"/>
           <p:cNvSpPr>
             <a:spLocks noGrp="1"/>
           </p:cNvSpPr>
           <p:nvPr>
-            <p:ph type="title"/>
-          </p:nvPr>
-        </p:nvSpPr>
-        <p:spPr/>
+            <p:ph type="body" sz="quarter" idx="10"/>
+          </p:nvPr>
+        </p:nvSpPr>
+        <p:spPr>
+          <a:xfrm>
+            <a:off x="0" y="1340768"/>
+            <a:ext cx="8322296" cy="1384994"/>
+          </a:xfrm>
+        </p:spPr>
         <p:txBody>
           <a:bodyPr/>
           <a:lstStyle/>
           <a:p>
             <a:r>
-              <a:rPr lang="pt-PT" dirty="0" smtClean="0"/>
-              <a:t>Export it</a:t>
-            </a:r>
-          </a:p>
-        </p:txBody>
-      </p:sp>
-      <p:sp>
-        <p:nvSpPr>
-          <p:cNvPr id="3" name="Content Placeholder 2"/>
-          <p:cNvSpPr>
-            <a:spLocks noGrp="1"/>
-          </p:cNvSpPr>
-          <p:nvPr>
-            <p:ph idx="1"/>
-          </p:nvPr>
-        </p:nvSpPr>
-        <p:spPr/>
-        <p:txBody>
-          <a:bodyPr>
-            <a:normAutofit/>
-          </a:bodyPr>
-          <a:lstStyle/>
-          <a:p>
-            <a:r>
-              <a:rPr lang="pt-PT" sz="6000" dirty="0" smtClean="0"/>
-              <a:t>[Export] attribute</a:t>
-            </a:r>
-          </a:p>
-          <a:p>
-            <a:pPr lvl="1"/>
-            <a:r>
-              <a:rPr lang="pt-PT" sz="5400" dirty="0" smtClean="0"/>
-              <a:t> In Class</a:t>
-            </a:r>
-          </a:p>
-          <a:p>
-            <a:pPr lvl="1"/>
-            <a:r>
-              <a:rPr lang="pt-PT" sz="5400" dirty="0" smtClean="0"/>
-              <a:t> In Method</a:t>
-            </a:r>
-          </a:p>
-          <a:p>
-            <a:pPr lvl="1"/>
-            <a:r>
-              <a:rPr lang="pt-PT" sz="5400" dirty="0" smtClean="0"/>
-              <a:t> In Properties</a:t>
-            </a:r>
-          </a:p>
-          <a:p>
-            <a:pPr lvl="1"/>
+              <a:rPr lang="pt-PT" smtClean="0"/>
+              <a:t>Demonstration</a:t>
+            </a:r>
             <a:endParaRPr lang="pt-PT" dirty="0"/>
           </a:p>
         </p:txBody>
       </p:sp>
     </p:spTree>
+    <p:extLst>
+      <p:ext uri="{BB962C8B-B14F-4D97-AF65-F5344CB8AC3E}">
+        <p14:creationId xmlns:p14="http://schemas.microsoft.com/office/powerpoint/2010/main" xmlns="" val="2265282571"/>
+      </p:ext>
+    </p:extLst>
   </p:cSld>
   <p:clrMapOvr>
     <a:masterClrMapping/>
   </p:clrMapOvr>
   <p:transition>
-    <p:wipe/>
+    <p:wheel spokes="1"/>
   </p:transition>
   <p:timing>
     <p:tnLst>
@@ -6957,7 +6893,7 @@
           <a:p>
             <a:r>
               <a:rPr lang="pt-PT" dirty="0" smtClean="0"/>
-              <a:t>Metadata</a:t>
+              <a:t>Export it</a:t>
             </a:r>
           </a:p>
         </p:txBody>
@@ -6980,33 +6916,34 @@
           <a:lstStyle/>
           <a:p>
             <a:r>
-              <a:rPr lang="pt-PT" sz="4800" dirty="0" smtClean="0"/>
-              <a:t>[ExportMetadata] attribute</a:t>
+              <a:rPr lang="pt-PT" sz="6000" dirty="0" smtClean="0"/>
+              <a:t>[Export] attribute</a:t>
             </a:r>
           </a:p>
           <a:p>
             <a:pPr lvl="1"/>
             <a:r>
-              <a:rPr lang="pt-PT" sz="4400" dirty="0" smtClean="0"/>
-              <a:t> Extra information</a:t>
-            </a:r>
-          </a:p>
-          <a:p>
-            <a:r>
-              <a:rPr lang="pt-PT" sz="4800" dirty="0" smtClean="0"/>
-              <a:t>Importers can access Metadata</a:t>
+              <a:rPr lang="pt-PT" sz="5400" dirty="0" smtClean="0"/>
+              <a:t> In Class</a:t>
             </a:r>
           </a:p>
           <a:p>
             <a:pPr lvl="1"/>
             <a:r>
-              <a:rPr lang="pt-PT" sz="3600" dirty="0" smtClean="0"/>
-              <a:t> ex: sender.Metadata.ContainsKey("Issecure")</a:t>
+              <a:rPr lang="pt-PT" sz="5400" dirty="0" smtClean="0"/>
+              <a:t> In Method</a:t>
             </a:r>
           </a:p>
           <a:p>
             <a:pPr lvl="1"/>
-            <a:endParaRPr lang="pt-PT" sz="3200" dirty="0"/>
+            <a:r>
+              <a:rPr lang="pt-PT" sz="5400" dirty="0" smtClean="0"/>
+              <a:t> In Properties</a:t>
+            </a:r>
+          </a:p>
+          <a:p>
+            <a:pPr lvl="1"/>
+            <a:endParaRPr lang="pt-PT" dirty="0"/>
           </a:p>
         </p:txBody>
       </p:sp>
@@ -7062,7 +6999,7 @@
           <a:p>
             <a:r>
               <a:rPr lang="pt-PT" dirty="0" smtClean="0"/>
-              <a:t>Import it</a:t>
+              <a:t>Metadata</a:t>
             </a:r>
           </a:p>
         </p:txBody>
@@ -7085,31 +7022,33 @@
           <a:lstStyle/>
           <a:p>
             <a:r>
-              <a:rPr lang="pt-PT" sz="6000" dirty="0" smtClean="0"/>
-              <a:t>[Import] attribute</a:t>
+              <a:rPr lang="pt-PT" sz="4800" dirty="0" smtClean="0"/>
+              <a:t>[ExportMetadata] attribute</a:t>
             </a:r>
           </a:p>
           <a:p>
             <a:pPr lvl="1"/>
             <a:r>
-              <a:rPr lang="pt-PT" sz="5400" dirty="0" smtClean="0"/>
-              <a:t> Fields</a:t>
+              <a:rPr lang="pt-PT" sz="4400" dirty="0" smtClean="0"/>
+              <a:t> Extra information</a:t>
+            </a:r>
+          </a:p>
+          <a:p>
+            <a:r>
+              <a:rPr lang="pt-PT" sz="4800" dirty="0" smtClean="0"/>
+              <a:t>Importers can access Metadata</a:t>
             </a:r>
           </a:p>
           <a:p>
             <a:pPr lvl="1"/>
             <a:r>
-              <a:rPr lang="pt-PT" sz="5400" dirty="0" smtClean="0"/>
-              <a:t> Properties</a:t>
+              <a:rPr lang="pt-PT" sz="3600" dirty="0" smtClean="0"/>
+              <a:t> ex: sender.Metadata.ContainsKey("Issecure")</a:t>
             </a:r>
           </a:p>
           <a:p>
             <a:pPr lvl="1"/>
-            <a:r>
-              <a:rPr lang="pt-PT" sz="5400" dirty="0" smtClean="0"/>
-              <a:t> Constructors</a:t>
-            </a:r>
-            <a:endParaRPr lang="pt-PT" sz="5400" dirty="0"/>
+            <a:endParaRPr lang="pt-PT" sz="3200" dirty="0"/>
           </a:p>
         </p:txBody>
       </p:sp>
@@ -7160,50 +7099,57 @@
         </p:nvSpPr>
         <p:spPr/>
         <p:txBody>
+          <a:bodyPr/>
+          <a:lstStyle/>
+          <a:p>
+            <a:r>
+              <a:rPr lang="pt-PT" dirty="0" smtClean="0"/>
+              <a:t>Import it</a:t>
+            </a:r>
+          </a:p>
+        </p:txBody>
+      </p:sp>
+      <p:sp>
+        <p:nvSpPr>
+          <p:cNvPr id="3" name="Content Placeholder 2"/>
+          <p:cNvSpPr>
+            <a:spLocks noGrp="1"/>
+          </p:cNvSpPr>
+          <p:nvPr>
+            <p:ph idx="1"/>
+          </p:nvPr>
+        </p:nvSpPr>
+        <p:spPr/>
+        <p:txBody>
           <a:bodyPr>
             <a:normAutofit/>
           </a:bodyPr>
           <a:lstStyle/>
           <a:p>
             <a:r>
-              <a:rPr lang="pt-PT" dirty="0" smtClean="0"/>
-              <a:t>Import </a:t>
-            </a:r>
-            <a:r>
-              <a:rPr lang="pt-PT" b="0" dirty="0" smtClean="0"/>
-              <a:t>Collections</a:t>
-            </a:r>
-            <a:endParaRPr lang="pt-PT" dirty="0" smtClean="0"/>
-          </a:p>
-        </p:txBody>
-      </p:sp>
-      <p:sp>
-        <p:nvSpPr>
-          <p:cNvPr id="3" name="Content Placeholder 2"/>
-          <p:cNvSpPr>
-            <a:spLocks noGrp="1"/>
-          </p:cNvSpPr>
-          <p:nvPr>
-            <p:ph idx="1"/>
-          </p:nvPr>
-        </p:nvSpPr>
-        <p:spPr/>
-        <p:txBody>
-          <a:bodyPr>
-            <a:normAutofit/>
-          </a:bodyPr>
-          <a:lstStyle/>
-          <a:p>
-            <a:r>
               <a:rPr lang="pt-PT" sz="6000" dirty="0" smtClean="0"/>
-              <a:t>[ImportMany ] attribute</a:t>
+              <a:t>[Import] attribute</a:t>
             </a:r>
           </a:p>
           <a:p>
             <a:pPr lvl="1"/>
             <a:r>
               <a:rPr lang="pt-PT" sz="5400" dirty="0" smtClean="0"/>
-              <a:t> All instances from one Contract will be loaded</a:t>
+              <a:t> Fields</a:t>
+            </a:r>
+          </a:p>
+          <a:p>
+            <a:pPr lvl="1"/>
+            <a:r>
+              <a:rPr lang="pt-PT" sz="5400" dirty="0" smtClean="0"/>
+              <a:t> Properties</a:t>
+            </a:r>
+          </a:p>
+          <a:p>
+            <a:pPr lvl="1"/>
+            <a:r>
+              <a:rPr lang="pt-PT" sz="5400" dirty="0" smtClean="0"/>
+              <a:t> Constructors</a:t>
             </a:r>
             <a:endParaRPr lang="pt-PT" sz="5400" dirty="0"/>
           </a:p>
@@ -7254,33 +7200,6 @@
             <p:ph type="title"/>
           </p:nvPr>
         </p:nvSpPr>
-        <p:spPr>
-          <a:xfrm>
-            <a:off x="488504" y="274638"/>
-            <a:ext cx="8915400" cy="1143000"/>
-          </a:xfrm>
-        </p:spPr>
-        <p:txBody>
-          <a:bodyPr/>
-          <a:lstStyle/>
-          <a:p>
-            <a:r>
-              <a:rPr lang="pt-PT" dirty="0" smtClean="0"/>
-              <a:t>Catalogue it</a:t>
-            </a:r>
-          </a:p>
-        </p:txBody>
-      </p:sp>
-      <p:sp>
-        <p:nvSpPr>
-          <p:cNvPr id="3" name="Content Placeholder 2"/>
-          <p:cNvSpPr>
-            <a:spLocks noGrp="1"/>
-          </p:cNvSpPr>
-          <p:nvPr>
-            <p:ph idx="1"/>
-          </p:nvPr>
-        </p:nvSpPr>
         <p:spPr/>
         <p:txBody>
           <a:bodyPr>
@@ -7289,50 +7208,46 @@
           <a:lstStyle/>
           <a:p>
             <a:r>
-              <a:rPr lang="en-US" dirty="0" smtClean="0"/>
-              <a:t>Ability to dynamically discover parts</a:t>
-            </a:r>
-          </a:p>
-          <a:p>
-            <a:r>
               <a:rPr lang="pt-PT" dirty="0" smtClean="0"/>
-              <a:t>Catalogues</a:t>
+              <a:t>Import </a:t>
+            </a:r>
+            <a:r>
+              <a:rPr lang="pt-PT" b="0" dirty="0" smtClean="0"/>
+              <a:t>Collections</a:t>
+            </a:r>
+            <a:endParaRPr lang="pt-PT" dirty="0" smtClean="0"/>
+          </a:p>
+        </p:txBody>
+      </p:sp>
+      <p:sp>
+        <p:nvSpPr>
+          <p:cNvPr id="3" name="Content Placeholder 2"/>
+          <p:cNvSpPr>
+            <a:spLocks noGrp="1"/>
+          </p:cNvSpPr>
+          <p:nvPr>
+            <p:ph idx="1"/>
+          </p:nvPr>
+        </p:nvSpPr>
+        <p:spPr/>
+        <p:txBody>
+          <a:bodyPr>
+            <a:normAutofit/>
+          </a:bodyPr>
+          <a:lstStyle/>
+          <a:p>
+            <a:r>
+              <a:rPr lang="pt-PT" sz="6000" dirty="0" smtClean="0"/>
+              <a:t>[ImportMany ] attribute</a:t>
             </a:r>
           </a:p>
           <a:p>
             <a:pPr lvl="1"/>
             <a:r>
-              <a:rPr lang="pt-PT" dirty="0" smtClean="0"/>
-              <a:t>Assembly Catalog</a:t>
-            </a:r>
-          </a:p>
-          <a:p>
-            <a:pPr lvl="1"/>
-            <a:r>
-              <a:rPr lang="pt-PT" dirty="0" smtClean="0"/>
-              <a:t>Directory Catalog</a:t>
-            </a:r>
-          </a:p>
-          <a:p>
-            <a:pPr lvl="1"/>
-            <a:r>
-              <a:rPr lang="pt-PT" dirty="0" smtClean="0"/>
-              <a:t>Aggregate Catalog</a:t>
-            </a:r>
-          </a:p>
-          <a:p>
-            <a:pPr lvl="1"/>
-            <a:r>
-              <a:rPr lang="pt-PT" dirty="0" smtClean="0"/>
-              <a:t>Type Catalog</a:t>
-            </a:r>
-          </a:p>
-          <a:p>
-            <a:pPr lvl="1"/>
-            <a:endParaRPr lang="pt-PT" dirty="0" smtClean="0"/>
-          </a:p>
-          <a:p>
-            <a:endParaRPr lang="pt-PT" dirty="0"/>
+              <a:rPr lang="pt-PT" sz="5400" dirty="0" smtClean="0"/>
+              <a:t> All instances from one Contract will be loaded</a:t>
+            </a:r>
+            <a:endParaRPr lang="pt-PT" sz="5400" dirty="0"/>
           </a:p>
         </p:txBody>
       </p:sp>
@@ -7393,7 +7308,7 @@
           <a:p>
             <a:r>
               <a:rPr lang="pt-PT" dirty="0" smtClean="0"/>
-              <a:t>Debugging</a:t>
+              <a:t>Catalogue it</a:t>
             </a:r>
           </a:p>
         </p:txBody>
@@ -7416,50 +7331,50 @@
           <a:lstStyle/>
           <a:p>
             <a:r>
-              <a:rPr lang="pt-PT" sz="4000" dirty="0" smtClean="0"/>
-              <a:t>Debugging MEF (MSDN)</a:t>
+              <a:rPr lang="en-US" dirty="0" smtClean="0"/>
+              <a:t>Ability to dynamically discover parts</a:t>
+            </a:r>
+          </a:p>
+          <a:p>
+            <a:r>
+              <a:rPr lang="pt-PT" dirty="0" smtClean="0"/>
+              <a:t>Catalogues</a:t>
             </a:r>
           </a:p>
           <a:p>
             <a:pPr lvl="1"/>
             <a:r>
-              <a:rPr lang="pt-PT" sz="2000" dirty="0" smtClean="0">
-                <a:hlinkClick r:id="rId3"/>
-              </a:rPr>
-              <a:t>http://msdn.microsoft.com/en-us/library/ff603380(v=vs.100).aspx</a:t>
-            </a:r>
-            <a:endParaRPr lang="pt-PT" sz="2000" dirty="0" smtClean="0"/>
+              <a:rPr lang="pt-PT" dirty="0" smtClean="0"/>
+              <a:t>Assembly Catalog</a:t>
+            </a:r>
           </a:p>
           <a:p>
             <a:pPr lvl="1"/>
-            <a:endParaRPr lang="pt-PT" sz="2000" dirty="0" smtClean="0"/>
-          </a:p>
-          <a:p>
-            <a:r>
-              <a:rPr lang="pt-PT" sz="4000" dirty="0" smtClean="0"/>
-              <a:t>Diagnosing Composition Problems</a:t>
+            <a:r>
+              <a:rPr lang="pt-PT" dirty="0" smtClean="0"/>
+              <a:t>Directory Catalog</a:t>
             </a:r>
           </a:p>
           <a:p>
             <a:pPr lvl="1"/>
             <a:r>
-              <a:rPr lang="pt-PT" sz="1400" dirty="0" smtClean="0">
-                <a:hlinkClick r:id="rId4"/>
-              </a:rPr>
-              <a:t>https://mef.codeplex.com/wikipage?title=Debugging%20and%20Diagnostics&amp;referringTitle=Guide</a:t>
-            </a:r>
-            <a:endParaRPr lang="pt-PT" sz="1400" dirty="0" smtClean="0"/>
+              <a:rPr lang="pt-PT" dirty="0" smtClean="0"/>
+              <a:t>Aggregate Catalog</a:t>
+            </a:r>
           </a:p>
           <a:p>
             <a:pPr lvl="1"/>
-            <a:endParaRPr lang="pt-PT" sz="1400" dirty="0" smtClean="0"/>
-          </a:p>
-          <a:p>
-            <a:r>
-              <a:rPr lang="pt-PT" sz="4000" dirty="0" smtClean="0"/>
-              <a:t>In short .... .... ... Is A Bloody Pain.</a:t>
-            </a:r>
-            <a:endParaRPr lang="pt-PT" sz="2400" dirty="0"/>
+            <a:r>
+              <a:rPr lang="pt-PT" dirty="0" smtClean="0"/>
+              <a:t>Type Catalog</a:t>
+            </a:r>
+          </a:p>
+          <a:p>
+            <a:pPr lvl="1"/>
+            <a:endParaRPr lang="pt-PT" dirty="0" smtClean="0"/>
+          </a:p>
+          <a:p>
+            <a:endParaRPr lang="pt-PT" dirty="0"/>
           </a:p>
         </p:txBody>
       </p:sp>
@@ -7469,7 +7384,7 @@
     <a:masterClrMapping/>
   </p:clrMapOvr>
   <p:transition>
-    <p:pull dir="rd"/>
+    <p:wipe/>
   </p:transition>
   <p:timing>
     <p:tnLst>
@@ -7498,18 +7413,164 @@
           <a:chExt cx="0" cy="0"/>
         </a:xfrm>
       </p:grpSpPr>
+      <p:sp>
+        <p:nvSpPr>
+          <p:cNvPr id="2" name="Title 1"/>
+          <p:cNvSpPr>
+            <a:spLocks noGrp="1"/>
+          </p:cNvSpPr>
+          <p:nvPr>
+            <p:ph type="title"/>
+          </p:nvPr>
+        </p:nvSpPr>
+        <p:spPr>
+          <a:xfrm>
+            <a:off x="488504" y="274638"/>
+            <a:ext cx="8915400" cy="1143000"/>
+          </a:xfrm>
+        </p:spPr>
+        <p:txBody>
+          <a:bodyPr/>
+          <a:lstStyle/>
+          <a:p>
+            <a:r>
+              <a:rPr lang="pt-PT" dirty="0" smtClean="0"/>
+              <a:t>Debugging</a:t>
+            </a:r>
+          </a:p>
+        </p:txBody>
+      </p:sp>
+      <p:sp>
+        <p:nvSpPr>
+          <p:cNvPr id="3" name="Content Placeholder 2"/>
+          <p:cNvSpPr>
+            <a:spLocks noGrp="1"/>
+          </p:cNvSpPr>
+          <p:nvPr>
+            <p:ph idx="1"/>
+          </p:nvPr>
+        </p:nvSpPr>
+        <p:spPr/>
+        <p:txBody>
+          <a:bodyPr>
+            <a:normAutofit fontScale="85000" lnSpcReduction="20000"/>
+          </a:bodyPr>
+          <a:lstStyle/>
+          <a:p>
+            <a:pPr>
+              <a:lnSpc>
+                <a:spcPct val="150000"/>
+              </a:lnSpc>
+            </a:pPr>
+            <a:r>
+              <a:rPr lang="pt-PT" sz="3600" dirty="0" smtClean="0"/>
+              <a:t>Debugging MEF (MSDN)</a:t>
+            </a:r>
+          </a:p>
+          <a:p>
+            <a:pPr lvl="1">
+              <a:lnSpc>
+                <a:spcPct val="150000"/>
+              </a:lnSpc>
+            </a:pPr>
+            <a:r>
+              <a:rPr lang="pt-PT" sz="1800" dirty="0" smtClean="0">
+                <a:hlinkClick r:id="rId3"/>
+              </a:rPr>
+              <a:t>http://msdn.microsoft.com/en-us/library/ff603380(v=vs.100).aspx</a:t>
+            </a:r>
+            <a:endParaRPr lang="pt-PT" sz="1800" dirty="0" smtClean="0"/>
+          </a:p>
+          <a:p>
+            <a:pPr lvl="1">
+              <a:lnSpc>
+                <a:spcPct val="150000"/>
+              </a:lnSpc>
+            </a:pPr>
+            <a:endParaRPr lang="pt-PT" sz="1800" dirty="0" smtClean="0"/>
+          </a:p>
+          <a:p>
+            <a:pPr>
+              <a:lnSpc>
+                <a:spcPct val="150000"/>
+              </a:lnSpc>
+            </a:pPr>
+            <a:r>
+              <a:rPr lang="pt-PT" sz="3600" dirty="0" smtClean="0"/>
+              <a:t>Diagnosing Composition Problems</a:t>
+            </a:r>
+          </a:p>
+          <a:p>
+            <a:pPr lvl="1">
+              <a:lnSpc>
+                <a:spcPct val="150000"/>
+              </a:lnSpc>
+            </a:pPr>
+            <a:r>
+              <a:rPr lang="pt-PT" sz="1200" dirty="0" smtClean="0">
+                <a:hlinkClick r:id="rId4"/>
+              </a:rPr>
+              <a:t>https://mef.codeplex.com/wikipage?title=Debugging%20and%20Diagnostics&amp;referringTitle=Guide</a:t>
+            </a:r>
+            <a:endParaRPr lang="pt-PT" sz="1200" dirty="0" smtClean="0"/>
+          </a:p>
+          <a:p>
+            <a:pPr lvl="1">
+              <a:lnSpc>
+                <a:spcPct val="150000"/>
+              </a:lnSpc>
+            </a:pPr>
+            <a:endParaRPr lang="pt-PT" sz="1200" dirty="0" smtClean="0"/>
+          </a:p>
+          <a:p>
+            <a:pPr>
+              <a:lnSpc>
+                <a:spcPct val="150000"/>
+              </a:lnSpc>
+            </a:pPr>
+            <a:r>
+              <a:rPr lang="pt-PT" sz="3600" dirty="0" smtClean="0"/>
+              <a:t>In short .... .... ... Is A Bloody Pain.</a:t>
+            </a:r>
+          </a:p>
+          <a:p>
+            <a:pPr>
+              <a:lnSpc>
+                <a:spcPct val="150000"/>
+              </a:lnSpc>
+            </a:pPr>
+            <a:r>
+              <a:rPr lang="pt-PT" sz="3600" dirty="0" smtClean="0"/>
+              <a:t>Windows Store Differences ... UPS</a:t>
+            </a:r>
+          </a:p>
+          <a:p>
+            <a:pPr lvl="1">
+              <a:lnSpc>
+                <a:spcPct val="150000"/>
+              </a:lnSpc>
+            </a:pPr>
+            <a:r>
+              <a:rPr lang="pt-PT" sz="1800" dirty="0" smtClean="0">
+                <a:hlinkClick r:id="rId5"/>
+              </a:rPr>
+              <a:t>https://mef.codeplex.com/wikipage?title=MetroChanges</a:t>
+            </a:r>
+            <a:endParaRPr lang="pt-PT" sz="1800" dirty="0" smtClean="0"/>
+          </a:p>
+          <a:p>
+            <a:pPr lvl="1"/>
+            <a:endParaRPr lang="pt-PT" sz="2000" dirty="0"/>
+          </a:p>
+        </p:txBody>
+      </p:sp>
     </p:spTree>
-    <p:extLst>
-      <p:ext uri="{BB962C8B-B14F-4D97-AF65-F5344CB8AC3E}">
-        <p14:creationId xmlns:p14="http://schemas.microsoft.com/office/powerpoint/2010/main" xmlns="" val="2265282571"/>
-      </p:ext>
-    </p:extLst>
   </p:cSld>
   <p:clrMapOvr>
     <a:masterClrMapping/>
   </p:clrMapOvr>
   <p:transition>
-    <p:wheel spokes="1"/>
+    <p:pull dir="rd"/>
   </p:transition>
   <p:timing>
     <p:tnLst>
@@ -8304,7 +8365,7 @@
         </p:blipFill>
         <p:spPr>
           <a:xfrm>
-            <a:off x="776536" y="3212976"/>
+            <a:off x="776538" y="3212976"/>
             <a:ext cx="609600" cy="609600"/>
           </a:xfrm>
           <a:prstGeom prst="rect">
@@ -8331,7 +8392,7 @@
         </p:blipFill>
         <p:spPr>
           <a:xfrm>
-            <a:off x="776536" y="4617132"/>
+            <a:off x="776538" y="4617132"/>
             <a:ext cx="609600" cy="609600"/>
           </a:xfrm>
           <a:prstGeom prst="rect">
@@ -8358,7 +8419,7 @@
         </p:blipFill>
         <p:spPr>
           <a:xfrm>
-            <a:off x="776536" y="3897052"/>
+            <a:off x="776538" y="3897052"/>
             <a:ext cx="609600" cy="609600"/>
           </a:xfrm>
           <a:prstGeom prst="rect">
@@ -8500,7 +8561,7 @@
         </p:blipFill>
         <p:spPr>
           <a:xfrm>
-            <a:off x="3440832" y="5229200"/>
+            <a:off x="3440834" y="5229204"/>
             <a:ext cx="3163697" cy="1381125"/>
           </a:xfrm>
           <a:prstGeom prst="rect">
@@ -8524,7 +8585,7 @@
         </p:blipFill>
         <p:spPr>
           <a:xfrm>
-            <a:off x="596516" y="908720"/>
+            <a:off x="596517" y="908720"/>
             <a:ext cx="1905000" cy="1905000"/>
           </a:xfrm>
           <a:prstGeom prst="rect">
@@ -8809,6 +8870,222 @@
           <a:lstStyle/>
           <a:p>
             <a:r>
+              <a:rPr lang="pt-PT" dirty="0" smtClean="0"/>
+              <a:t>SQL </a:t>
+            </a:r>
+            <a:r>
+              <a:rPr lang="pt-PT" dirty="0" err="1" smtClean="0"/>
+              <a:t>Saturday</a:t>
+            </a:r>
+            <a:r>
+              <a:rPr lang="pt-PT" dirty="0" smtClean="0"/>
+              <a:t> #341 – Porto 2014</a:t>
+            </a:r>
+            <a:endParaRPr lang="pt-PT" dirty="0"/>
+          </a:p>
+        </p:txBody>
+      </p:sp>
+      <p:sp>
+        <p:nvSpPr>
+          <p:cNvPr id="3" name="Content Placeholder 2"/>
+          <p:cNvSpPr>
+            <a:spLocks noGrp="1"/>
+          </p:cNvSpPr>
+          <p:nvPr>
+            <p:ph idx="1"/>
+          </p:nvPr>
+        </p:nvSpPr>
+        <p:spPr/>
+        <p:txBody>
+          <a:bodyPr>
+            <a:normAutofit fontScale="85000" lnSpcReduction="20000"/>
+          </a:bodyPr>
+          <a:lstStyle/>
+          <a:p>
+            <a:pPr marL="0" indent="0">
+              <a:buNone/>
+            </a:pPr>
+            <a:r>
+              <a:rPr lang="pt-PT" dirty="0"/>
+              <a:t>18 de Outubro de </a:t>
+            </a:r>
+            <a:r>
+              <a:rPr lang="pt-PT" dirty="0" smtClean="0"/>
+              <a:t>2014</a:t>
+            </a:r>
+          </a:p>
+          <a:p>
+            <a:pPr marL="0" indent="0">
+              <a:buNone/>
+            </a:pPr>
+            <a:r>
+              <a:rPr lang="pt-PT" dirty="0" smtClean="0"/>
+              <a:t>3 </a:t>
+            </a:r>
+            <a:r>
+              <a:rPr lang="pt-PT" dirty="0" err="1" smtClean="0"/>
+              <a:t>Tracks</a:t>
+            </a:r>
+            <a:endParaRPr lang="pt-PT" dirty="0" smtClean="0"/>
+          </a:p>
+          <a:p>
+            <a:pPr marL="0" indent="0">
+              <a:buNone/>
+            </a:pPr>
+            <a:endParaRPr lang="pt-PT" sz="2000" dirty="0" smtClean="0"/>
+          </a:p>
+          <a:p>
+            <a:pPr marL="0" indent="0">
+              <a:buNone/>
+            </a:pPr>
+            <a:r>
+              <a:rPr lang="pt-PT" dirty="0" smtClean="0"/>
+              <a:t>Workshops:</a:t>
+            </a:r>
+          </a:p>
+          <a:p>
+            <a:r>
+              <a:rPr lang="pt-PT" dirty="0" smtClean="0"/>
+              <a:t>SSAS Basics </a:t>
+            </a:r>
+          </a:p>
+          <a:p>
+            <a:pPr lvl="1"/>
+            <a:r>
+              <a:rPr lang="pt-PT" sz="3200" dirty="0" smtClean="0"/>
+              <a:t>Regis </a:t>
+            </a:r>
+            <a:r>
+              <a:rPr lang="pt-PT" sz="3200" dirty="0" err="1" smtClean="0"/>
+              <a:t>Baccaro</a:t>
+            </a:r>
+            <a:r>
+              <a:rPr lang="pt-PT" sz="3200" dirty="0" smtClean="0"/>
+              <a:t> (16 Out 2014)</a:t>
+            </a:r>
+          </a:p>
+          <a:p>
+            <a:pPr lvl="1"/>
+            <a:endParaRPr lang="pt-PT" sz="3200" dirty="0" smtClean="0"/>
+          </a:p>
+          <a:p>
+            <a:r>
+              <a:rPr lang="pt-PT" dirty="0" smtClean="0"/>
+              <a:t>SQL Server </a:t>
+            </a:r>
+            <a:r>
+              <a:rPr lang="pt-PT" dirty="0" err="1" smtClean="0"/>
+              <a:t>Query</a:t>
+            </a:r>
+            <a:r>
+              <a:rPr lang="pt-PT" dirty="0" smtClean="0"/>
+              <a:t> </a:t>
+            </a:r>
+            <a:r>
+              <a:rPr lang="pt-PT" dirty="0" err="1" smtClean="0"/>
+              <a:t>Optimizer</a:t>
+            </a:r>
+            <a:r>
+              <a:rPr lang="pt-PT" dirty="0" smtClean="0"/>
+              <a:t> </a:t>
+            </a:r>
+          </a:p>
+          <a:p>
+            <a:pPr lvl="1"/>
+            <a:r>
+              <a:rPr lang="pt-PT" sz="3200" dirty="0" smtClean="0"/>
+              <a:t>Fabiano Amorim (17 Out 2014)</a:t>
+            </a:r>
+            <a:endParaRPr lang="pt-PT" dirty="0" smtClean="0"/>
+          </a:p>
+          <a:p>
+            <a:endParaRPr lang="pt-PT" dirty="0"/>
+          </a:p>
+        </p:txBody>
+      </p:sp>
+      <p:pic>
+        <p:nvPicPr>
+          <p:cNvPr id="5" name="Picture 4"/>
+          <p:cNvPicPr>
+            <a:picLocks noChangeAspect="1"/>
+          </p:cNvPicPr>
+          <p:nvPr/>
+        </p:nvPicPr>
+        <p:blipFill>
+          <a:blip r:embed="rId2" cstate="print">
+            <a:extLst>
+              <a:ext uri="{28A0092B-C50C-407E-A947-70E740481C1C}">
+                <a14:useLocalDpi xmlns="" xmlns:a14="http://schemas.microsoft.com/office/drawing/2010/main" val="0"/>
+              </a:ext>
+            </a:extLst>
+          </a:blip>
+          <a:stretch>
+            <a:fillRect/>
+          </a:stretch>
+        </p:blipFill>
+        <p:spPr>
+          <a:xfrm>
+            <a:off x="7757468" y="504828"/>
+            <a:ext cx="1826419" cy="1095375"/>
+          </a:xfrm>
+          <a:prstGeom prst="rect">
+            <a:avLst/>
+          </a:prstGeom>
+        </p:spPr>
+      </p:pic>
+    </p:spTree>
+    <p:extLst>
+      <p:ext uri="{BB962C8B-B14F-4D97-AF65-F5344CB8AC3E}">
+        <p14:creationId xmlns="" xmlns:p14="http://schemas.microsoft.com/office/powerpoint/2010/main" val="2094455015"/>
+      </p:ext>
+    </p:extLst>
+  </p:cSld>
+  <p:clrMapOvr>
+    <a:masterClrMapping/>
+  </p:clrMapOvr>
+  <p:timing>
+    <p:tnLst>
+      <p:par>
+        <p:cTn id="1" dur="indefinite" restart="never" nodeType="tmRoot"/>
+      </p:par>
+    </p:tnLst>
+  </p:timing>
+</p:sld>
+</file>
+
+<file path=ppt/slides/slide32.xml><?xml version="1.0" encoding="utf-8"?>
+<p:sld xmlns:a="http://schemas.openxmlformats.org/drawingml/2006/main" xmlns:r="http://schemas.openxmlformats.org/officeDocument/2006/relationships" xmlns:p="http://schemas.openxmlformats.org/presentationml/2006/main">
+  <p:cSld>
+    <p:spTree>
+      <p:nvGrpSpPr>
+        <p:cNvPr id="1" name=""/>
+        <p:cNvGrpSpPr/>
+        <p:nvPr/>
+      </p:nvGrpSpPr>
+      <p:grpSpPr>
+        <a:xfrm>
+          <a:off x="0" y="0"/>
+          <a:ext cx="0" cy="0"/>
+          <a:chOff x="0" y="0"/>
+          <a:chExt cx="0" cy="0"/>
+        </a:xfrm>
+      </p:grpSpPr>
+      <p:sp>
+        <p:nvSpPr>
+          <p:cNvPr id="2" name="Title 1"/>
+          <p:cNvSpPr>
+            <a:spLocks noGrp="1"/>
+          </p:cNvSpPr>
+          <p:nvPr>
+            <p:ph type="title"/>
+          </p:nvPr>
+        </p:nvSpPr>
+        <p:spPr/>
+        <p:txBody>
+          <a:bodyPr/>
+          <a:lstStyle/>
+          <a:p>
+            <a:r>
               <a:rPr lang="pt-PT" dirty="0" err="1" smtClean="0"/>
               <a:t>Sponsor</a:t>
             </a:r>
@@ -8842,7 +9119,7 @@
         </p:blipFill>
         <p:spPr bwMode="auto">
           <a:xfrm>
-            <a:off x="7936831" y="190195"/>
+            <a:off x="7936831" y="190199"/>
             <a:ext cx="905158" cy="1798647"/>
           </a:xfrm>
           <a:prstGeom prst="rect">
@@ -8870,7 +9147,7 @@
         </p:nvSpPr>
         <p:spPr>
           <a:xfrm>
-            <a:off x="1091570" y="4725144"/>
+            <a:off x="1091572" y="4725144"/>
             <a:ext cx="8145905" cy="940120"/>
           </a:xfrm>
           <a:prstGeom prst="rect">
@@ -9050,7 +9327,7 @@
         </p:nvSpPr>
         <p:spPr>
           <a:xfrm>
-            <a:off x="1100572" y="5085184"/>
+            <a:off x="1100574" y="5085184"/>
             <a:ext cx="5333095" cy="794742"/>
           </a:xfrm>
           <a:prstGeom prst="rect">
@@ -9244,7 +9521,7 @@
         </p:blipFill>
         <p:spPr bwMode="auto">
           <a:xfrm>
-            <a:off x="1501118" y="2348882"/>
+            <a:off x="1501120" y="2348886"/>
             <a:ext cx="7017316" cy="1967855"/>
           </a:xfrm>
           <a:prstGeom prst="rect">
@@ -9308,7 +9585,7 @@
 </p:sld>
 </file>
 
-<file path=ppt/slides/slide32.xml><?xml version="1.0" encoding="utf-8"?>
+<file path=ppt/slides/slide33.xml><?xml version="1.0" encoding="utf-8"?>
 <p:sld xmlns:a="http://schemas.openxmlformats.org/drawingml/2006/main" xmlns:r="http://schemas.openxmlformats.org/officeDocument/2006/relationships" xmlns:p="http://schemas.openxmlformats.org/presentationml/2006/main">
   <p:cSld>
     <p:spTree>
@@ -9354,19 +9631,17 @@
       </p:sp>
       <p:pic>
         <p:nvPicPr>
-          <p:cNvPr id="8" name="Picture 2" descr="F:\NetPonto\Media\Imagens\Patrocinadores\pluralsight-logo-for-sponsorships-large.png">
-            <a:hlinkClick r:id="rId2"/>
-          </p:cNvPr>
+          <p:cNvPr id="6" name="Picture 2" descr="Syncfusion"/>
           <p:cNvPicPr>
             <a:picLocks noChangeAspect="1" noChangeArrowheads="1"/>
           </p:cNvPicPr>
           <p:nvPr/>
         </p:nvPicPr>
         <p:blipFill>
-          <a:blip r:embed="rId3" cstate="print">
+          <a:blip r:embed="rId2" cstate="print">
             <a:extLst>
               <a:ext uri="{28A0092B-C50C-407E-A947-70E740481C1C}">
-                <a14:useLocalDpi xmlns:a14="http://schemas.microsoft.com/office/drawing/2010/main" xmlns="" val="0"/>
+                <a14:useLocalDpi xmlns="" xmlns:a14="http://schemas.microsoft.com/office/drawing/2010/main" val="0"/>
               </a:ext>
             </a:extLst>
           </a:blip>
@@ -9377,16 +9652,16 @@
         </p:blipFill>
         <p:spPr bwMode="auto">
           <a:xfrm>
-            <a:off x="5681971" y="4254081"/>
-            <a:ext cx="2641586" cy="770229"/>
+            <a:off x="3604751" y="3760526"/>
+            <a:ext cx="2691299" cy="941957"/>
           </a:xfrm>
           <a:prstGeom prst="rect">
             <a:avLst/>
           </a:prstGeom>
           <a:noFill/>
           <a:extLst>
-            <a:ext uri="{909E8E84-426E-40dd-AFC4-6F175D3DCCD1}">
-              <a14:hiddenFill xmlns:a14="http://schemas.microsoft.com/office/drawing/2010/main" xmlns="">
+            <a:ext uri="{909E8E84-426E-40DD-AFC4-6F175D3DCCD1}">
+              <a14:hiddenFill xmlns="" xmlns:a14="http://schemas.microsoft.com/office/drawing/2010/main">
                 <a:solidFill>
                   <a:srgbClr val="FFFFFF"/>
                 </a:solidFill>
@@ -9397,22 +9672,22 @@
       </p:pic>
       <p:pic>
         <p:nvPicPr>
-          <p:cNvPr id="3" name="Picture 2"/>
+          <p:cNvPr id="8" name="Picture 7"/>
           <p:cNvPicPr>
             <a:picLocks noChangeAspect="1"/>
           </p:cNvPicPr>
           <p:nvPr/>
         </p:nvPicPr>
         <p:blipFill>
-          <a:blip r:embed="rId4" cstate="print"/>
+          <a:blip r:embed="rId3" cstate="print"/>
           <a:stretch>
             <a:fillRect/>
           </a:stretch>
         </p:blipFill>
         <p:spPr>
           <a:xfrm>
-            <a:off x="5304040" y="2495039"/>
-            <a:ext cx="3397448" cy="714375"/>
+            <a:off x="5641883" y="2108592"/>
+            <a:ext cx="3397448" cy="580430"/>
           </a:xfrm>
           <a:prstGeom prst="rect">
             <a:avLst/>
@@ -9421,32 +9696,8 @@
       </p:pic>
       <p:pic>
         <p:nvPicPr>
-          <p:cNvPr id="7" name="Picture 6"/>
-          <p:cNvPicPr>
-            <a:picLocks noChangeAspect="1"/>
-          </p:cNvPicPr>
-          <p:nvPr/>
-        </p:nvPicPr>
-        <p:blipFill>
-          <a:blip r:embed="rId5" cstate="print"/>
-          <a:stretch>
-            <a:fillRect/>
-          </a:stretch>
-        </p:blipFill>
-        <p:spPr>
-          <a:xfrm>
-            <a:off x="1765828" y="2296710"/>
-            <a:ext cx="2641587" cy="1111035"/>
-          </a:xfrm>
-          <a:prstGeom prst="rect">
-            <a:avLst/>
-          </a:prstGeom>
-        </p:spPr>
-      </p:pic>
-      <p:pic>
-        <p:nvPicPr>
-          <p:cNvPr id="9" name="Picture 2" descr="C:\Users\Caio Proiete\Desktop\telerikLogo-web-1124x449px.jpg">
-            <a:hlinkClick r:id="rId6"/>
+          <p:cNvPr id="10" name="Picture 2" descr="C:\Users\Caio Proiete\Desktop\telerikLogo-web-1124x449px.jpg">
+            <a:hlinkClick r:id="rId4"/>
           </p:cNvPr>
           <p:cNvPicPr>
             <a:picLocks noChangeAspect="1" noChangeArrowheads="1"/>
@@ -9454,7 +9705,7 @@
           <p:nvPr/>
         </p:nvPicPr>
         <p:blipFill>
-          <a:blip r:embed="rId7" cstate="print">
+          <a:blip r:embed="rId5" cstate="print">
             <a:extLst/>
           </a:blip>
           <a:srcRect/>
@@ -9464,8 +9715,8 @@
         </p:blipFill>
         <p:spPr bwMode="auto">
           <a:xfrm>
-            <a:off x="1679613" y="3947438"/>
-            <a:ext cx="2814017" cy="1383514"/>
+            <a:off x="1352601" y="1880832"/>
+            <a:ext cx="2814017" cy="1124105"/>
           </a:xfrm>
           <a:prstGeom prst="rect">
             <a:avLst/>
@@ -9496,7 +9747,7 @@
 </p:sld>
 </file>
 
-<file path=ppt/slides/slide33.xml><?xml version="1.0" encoding="utf-8"?>
+<file path=ppt/slides/slide34.xml><?xml version="1.0" encoding="utf-8"?>
 <p:sld xmlns:a="http://schemas.openxmlformats.org/drawingml/2006/main" xmlns:r="http://schemas.openxmlformats.org/officeDocument/2006/relationships" xmlns:p="http://schemas.openxmlformats.org/presentationml/2006/main">
   <p:cSld>
     <p:spTree>
@@ -9563,7 +9814,7 @@
         </p:blipFill>
         <p:spPr bwMode="auto">
           <a:xfrm>
-            <a:off x="3171893" y="2492898"/>
+            <a:off x="3171893" y="2492902"/>
             <a:ext cx="3360783" cy="1850473"/>
           </a:xfrm>
           <a:prstGeom prst="rect">
@@ -9604,7 +9855,7 @@
 </p:sld>
 </file>
 
-<file path=ppt/slides/slide34.xml><?xml version="1.0" encoding="utf-8"?>
+<file path=ppt/slides/slide35.xml><?xml version="1.0" encoding="utf-8"?>
 <p:sld xmlns:a="http://schemas.openxmlformats.org/drawingml/2006/main" xmlns:r="http://schemas.openxmlformats.org/officeDocument/2006/relationships" xmlns:p="http://schemas.openxmlformats.org/presentationml/2006/main">
   <p:cSld>
     <p:spTree>
@@ -9623,6 +9874,190 @@
       </p:grpSpPr>
       <p:sp>
         <p:nvSpPr>
+          <p:cNvPr id="9" name="Title 1"/>
+          <p:cNvSpPr>
+            <a:spLocks noGrp="1"/>
+          </p:cNvSpPr>
+          <p:nvPr>
+            <p:ph type="title"/>
+          </p:nvPr>
+        </p:nvSpPr>
+        <p:spPr/>
+        <p:txBody>
+          <a:bodyPr>
+            <a:normAutofit/>
+          </a:bodyPr>
+          <a:lstStyle/>
+          <a:p>
+            <a:pPr algn="ctr"/>
+            <a:r>
+              <a:rPr lang="pt-PT" dirty="0"/>
+              <a:t>http://</a:t>
+            </a:r>
+            <a:r>
+              <a:rPr lang="pt-PT" dirty="0" smtClean="0"/>
+              <a:t>bit.ly/netponto-aval-48</a:t>
+            </a:r>
+            <a:endParaRPr lang="pt-PT" dirty="0">
+              <a:solidFill>
+                <a:srgbClr val="FF0000"/>
+              </a:solidFill>
+            </a:endParaRPr>
+          </a:p>
+        </p:txBody>
+      </p:sp>
+      <p:pic>
+        <p:nvPicPr>
+          <p:cNvPr id="5" name="Picture 4" descr="http://www.survs.com/about/mediakit/survs_logo_color_large.jpg"/>
+          <p:cNvPicPr>
+            <a:picLocks noChangeAspect="1" noChangeArrowheads="1"/>
+          </p:cNvPicPr>
+          <p:nvPr/>
+        </p:nvPicPr>
+        <p:blipFill>
+          <a:blip r:embed="rId3" cstate="print">
+            <a:extLst>
+              <a:ext uri="{28A0092B-C50C-407E-A947-70E740481C1C}">
+                <a14:useLocalDpi xmlns="" xmlns:a14="http://schemas.microsoft.com/office/drawing/2010/main" val="0"/>
+              </a:ext>
+            </a:extLst>
+          </a:blip>
+          <a:srcRect/>
+          <a:stretch>
+            <a:fillRect/>
+          </a:stretch>
+        </p:blipFill>
+        <p:spPr bwMode="auto">
+          <a:xfrm>
+            <a:off x="6802246" y="5695530"/>
+            <a:ext cx="2096602" cy="1154405"/>
+          </a:xfrm>
+          <a:prstGeom prst="rect">
+            <a:avLst/>
+          </a:prstGeom>
+          <a:noFill/>
+          <a:extLst>
+            <a:ext uri="{909E8E84-426E-40dd-AFC4-6F175D3DCCD1}">
+              <a14:hiddenFill xmlns:a14="http://schemas.microsoft.com/office/drawing/2010/main" xmlns="">
+                <a:solidFill>
+                  <a:srgbClr val="FFFFFF"/>
+                </a:solidFill>
+              </a14:hiddenFill>
+            </a:ext>
+          </a:extLst>
+        </p:spPr>
+      </p:pic>
+      <p:sp>
+        <p:nvSpPr>
+          <p:cNvPr id="2" name="TextBox 1"/>
+          <p:cNvSpPr txBox="1"/>
+          <p:nvPr/>
+        </p:nvSpPr>
+        <p:spPr>
+          <a:xfrm>
+            <a:off x="1208584" y="5944422"/>
+            <a:ext cx="5236946" cy="646331"/>
+          </a:xfrm>
+          <a:prstGeom prst="rect">
+            <a:avLst/>
+          </a:prstGeom>
+          <a:noFill/>
+        </p:spPr>
+        <p:txBody>
+          <a:bodyPr wrap="none" rtlCol="0">
+            <a:spAutoFit/>
+          </a:bodyPr>
+          <a:lstStyle/>
+          <a:p>
+            <a:r>
+              <a:rPr lang="pt-PT" dirty="0">
+                <a:solidFill>
+                  <a:prstClr val="black"/>
+                </a:solidFill>
+              </a:rPr>
+              <a:t>* Para quem não puder preencher durante a reunião, </a:t>
+            </a:r>
+          </a:p>
+          <a:p>
+            <a:r>
+              <a:rPr lang="pt-PT" dirty="0">
+                <a:solidFill>
+                  <a:prstClr val="black"/>
+                </a:solidFill>
+              </a:rPr>
+              <a:t>iremos enviar um email com o link à tarde</a:t>
+            </a:r>
+            <a:endParaRPr lang="en-GB" dirty="0">
+              <a:solidFill>
+                <a:prstClr val="black"/>
+              </a:solidFill>
+            </a:endParaRPr>
+          </a:p>
+        </p:txBody>
+      </p:sp>
+      <p:pic>
+        <p:nvPicPr>
+          <p:cNvPr id="7" name="Content Placeholder 3"/>
+          <p:cNvPicPr>
+            <a:picLocks noChangeAspect="1"/>
+          </p:cNvPicPr>
+          <p:nvPr/>
+        </p:nvPicPr>
+        <p:blipFill>
+          <a:blip r:embed="rId4" cstate="print"/>
+          <a:stretch>
+            <a:fillRect/>
+          </a:stretch>
+        </p:blipFill>
+        <p:spPr>
+          <a:xfrm>
+            <a:off x="3005920" y="1700808"/>
+            <a:ext cx="3894160" cy="3894162"/>
+          </a:xfrm>
+          <a:prstGeom prst="rect">
+            <a:avLst/>
+          </a:prstGeom>
+        </p:spPr>
+      </p:pic>
+    </p:spTree>
+    <p:extLst>
+      <p:ext uri="{BB962C8B-B14F-4D97-AF65-F5344CB8AC3E}">
+        <p14:creationId xmlns="" xmlns:p14="http://schemas.microsoft.com/office/powerpoint/2010/main" val="1040747719"/>
+      </p:ext>
+    </p:extLst>
+  </p:cSld>
+  <p:clrMapOvr>
+    <a:masterClrMapping/>
+  </p:clrMapOvr>
+  <p:timing>
+    <p:tnLst>
+      <p:par>
+        <p:cTn id="1" dur="indefinite" restart="never" nodeType="tmRoot"/>
+      </p:par>
+    </p:tnLst>
+  </p:timing>
+</p:sld>
+</file>
+
+<file path=ppt/slides/slide36.xml><?xml version="1.0" encoding="utf-8"?>
+<p:sld xmlns:a="http://schemas.openxmlformats.org/drawingml/2006/main" xmlns:r="http://schemas.openxmlformats.org/officeDocument/2006/relationships" xmlns:p="http://schemas.openxmlformats.org/presentationml/2006/main">
+  <p:cSld>
+    <p:spTree>
+      <p:nvGrpSpPr>
+        <p:cNvPr id="1" name=""/>
+        <p:cNvGrpSpPr/>
+        <p:nvPr/>
+      </p:nvGrpSpPr>
+      <p:grpSpPr>
+        <a:xfrm>
+          <a:off x="0" y="0"/>
+          <a:ext cx="0" cy="0"/>
+          <a:chOff x="0" y="0"/>
+          <a:chExt cx="0" cy="0"/>
+        </a:xfrm>
+      </p:grpSpPr>
+      <p:sp>
+        <p:nvSpPr>
           <p:cNvPr id="2" name="Title 1"/>
           <p:cNvSpPr>
             <a:spLocks noGrp="1"/>
@@ -9669,24 +10104,14 @@
               <a:buNone/>
             </a:pPr>
             <a:r>
-              <a:rPr lang="pt-PT" sz="2600" dirty="0" smtClean="0">
+              <a:rPr lang="pt-PT" sz="2400" dirty="0" smtClean="0">
                 <a:solidFill>
                   <a:schemeClr val="bg1">
                     <a:lumMod val="50000"/>
                   </a:schemeClr>
                 </a:solidFill>
               </a:rPr>
-              <a:t>23/11/2013 </a:t>
-            </a:r>
-            <a:r>
-              <a:rPr lang="pt-PT" sz="2600" dirty="0">
-                <a:solidFill>
-                  <a:schemeClr val="bg1">
-                    <a:lumMod val="50000"/>
-                  </a:schemeClr>
-                </a:solidFill>
-              </a:rPr>
-              <a:t>– Novembro (Lisboa)</a:t>
+              <a:t>26/07/2014 – Julho (Lisboa)</a:t>
             </a:r>
           </a:p>
           <a:p>
@@ -9694,26 +10119,17 @@
               <a:buNone/>
             </a:pPr>
             <a:r>
-              <a:rPr lang="pt-PT" sz="2600" dirty="0" smtClean="0"/>
-              <a:t>30/11/2013 </a:t>
-            </a:r>
-            <a:r>
-              <a:rPr lang="pt-PT" sz="2600" dirty="0"/>
-              <a:t>– </a:t>
-            </a:r>
-            <a:r>
-              <a:rPr lang="pt-PT" sz="2600" dirty="0" smtClean="0"/>
-              <a:t>Novembro (Porto)</a:t>
-            </a:r>
-            <a:endParaRPr lang="pt-PT" sz="2600" dirty="0"/>
+              <a:rPr lang="pt-PT" sz="2400" dirty="0" smtClean="0"/>
+              <a:t>20/09/2014 – Setembro (Lisboa)</a:t>
+            </a:r>
           </a:p>
           <a:p>
             <a:pPr marL="0" indent="0">
               <a:buNone/>
             </a:pPr>
             <a:r>
-              <a:rPr lang="pt-PT" sz="2600" dirty="0"/>
-              <a:t>14/12/2013 – Dezembro (Lisboa)</a:t>
+              <a:rPr lang="pt-PT" sz="2400" dirty="0" smtClean="0"/>
+              <a:t>18/10/2014 – Outubro - SQL Saturday – Track Programação (Porto)</a:t>
             </a:r>
           </a:p>
           <a:p>
@@ -9721,21 +10137,35 @@
               <a:buNone/>
             </a:pPr>
             <a:r>
-              <a:rPr lang="pt-PT" sz="2600" dirty="0"/>
-              <a:t>18/01/2014 – Janeiro (Lisboa)</a:t>
+              <a:rPr lang="pt-PT" sz="2400" dirty="0" smtClean="0"/>
+              <a:t>25/10/2014 – Outubro (Lisboa)</a:t>
             </a:r>
           </a:p>
           <a:p>
             <a:pPr marL="0" indent="0">
               <a:buNone/>
             </a:pPr>
-            <a:endParaRPr lang="pt-PT" sz="2600" dirty="0"/>
+            <a:r>
+              <a:rPr lang="pt-PT" sz="2400" dirty="0" smtClean="0"/>
+              <a:t>22/11/2014 – Novembro (Lisboa)</a:t>
+            </a:r>
+            <a:endParaRPr lang="pt-PT" sz="2400" dirty="0" smtClean="0">
+              <a:solidFill>
+                <a:schemeClr val="bg1">
+                  <a:lumMod val="50000"/>
+                </a:schemeClr>
+              </a:solidFill>
+            </a:endParaRPr>
           </a:p>
           <a:p>
             <a:pPr marL="0" indent="0">
               <a:buNone/>
             </a:pPr>
-            <a:endParaRPr lang="pt-PT" sz="2600" dirty="0"/>
+            <a:r>
+              <a:rPr lang="pt-PT" sz="2400" dirty="0" smtClean="0"/>
+              <a:t>??/??/???? – ????? (Porto)</a:t>
+            </a:r>
+            <a:endParaRPr lang="pt-PT" sz="2400" dirty="0"/>
           </a:p>
           <a:p>
             <a:pPr marL="0" indent="0">
@@ -9800,7 +10230,7 @@
 </p:sld>
 </file>
 
-<file path=ppt/slides/slide35.xml><?xml version="1.0" encoding="utf-8"?>
+<file path=ppt/slides/slide37.xml><?xml version="1.0" encoding="utf-8"?>
 <p:sld xmlns:a="http://schemas.openxmlformats.org/drawingml/2006/main" xmlns:r="http://schemas.openxmlformats.org/officeDocument/2006/relationships" xmlns:p="http://schemas.openxmlformats.org/presentationml/2006/main">
   <p:cSld>
     <p:spTree>
@@ -9852,7 +10282,7 @@
         </p:nvSpPr>
         <p:spPr>
           <a:xfrm>
-            <a:off x="488504" y="5589240"/>
+            <a:off x="488506" y="5589240"/>
             <a:ext cx="8712968" cy="553998"/>
           </a:xfrm>
           <a:prstGeom prst="rect">
@@ -9925,7 +10355,7 @@
         </p:nvSpPr>
         <p:spPr>
           <a:xfrm>
-            <a:off x="604900" y="1421160"/>
+            <a:off x="604900" y="1421164"/>
             <a:ext cx="5860268" cy="820687"/>
           </a:xfrm>
           <a:prstGeom prst="rect">
@@ -10168,7 +10598,7 @@
         </p:blipFill>
         <p:spPr>
           <a:xfrm>
-            <a:off x="596516" y="2708920"/>
+            <a:off x="596518" y="2708920"/>
             <a:ext cx="812800" cy="812800"/>
           </a:xfrm>
           <a:prstGeom prst="rect">
@@ -10198,7 +10628,7 @@
         </p:blipFill>
         <p:spPr>
           <a:xfrm>
-            <a:off x="596516" y="3717032"/>
+            <a:off x="596518" y="3717032"/>
             <a:ext cx="812800" cy="812800"/>
           </a:xfrm>
           <a:prstGeom prst="rect">
@@ -10228,7 +10658,7 @@
         </p:blipFill>
         <p:spPr>
           <a:xfrm>
-            <a:off x="596516" y="4725144"/>
+            <a:off x="596518" y="4725144"/>
             <a:ext cx="812800" cy="812800"/>
           </a:xfrm>
           <a:prstGeom prst="rect">
@@ -10331,16 +10761,10 @@
           </a:p>
           <a:p>
             <a:r>
-              <a:rPr lang="pt-PT" dirty="0" smtClean="0"/>
-              <a:t>Demo</a:t>
-            </a:r>
-          </a:p>
-          <a:p>
-            <a:r>
-              <a:rPr lang="pt-PT" dirty="0" smtClean="0"/>
-              <a:t>Conclusion</a:t>
-            </a:r>
-            <a:endParaRPr lang="pt-PT" dirty="0"/>
+              <a:rPr lang="pt-PT" smtClean="0"/>
+              <a:t>Demonstration</a:t>
+            </a:r>
+            <a:endParaRPr lang="pt-PT" dirty="0" smtClean="0"/>
           </a:p>
         </p:txBody>
       </p:sp>
@@ -10379,12 +10803,12 @@
       </p:grpSpPr>
       <p:sp>
         <p:nvSpPr>
-          <p:cNvPr id="7" name="Text Placeholder 6"/>
+          <p:cNvPr id="2" name="Title 1"/>
           <p:cNvSpPr>
             <a:spLocks noGrp="1"/>
           </p:cNvSpPr>
           <p:nvPr>
-            <p:ph type="body" sz="quarter" idx="10"/>
+            <p:ph type="title"/>
           </p:nvPr>
         </p:nvSpPr>
         <p:spPr/>
@@ -10392,6 +10816,61 @@
           <a:bodyPr/>
           <a:lstStyle/>
           <a:p>
+            <a:r>
+              <a:rPr lang="pt-PT" dirty="0" smtClean="0"/>
+              <a:t>Introduction</a:t>
+            </a:r>
+            <a:endParaRPr lang="pt-PT" dirty="0"/>
+          </a:p>
+        </p:txBody>
+      </p:sp>
+      <p:sp>
+        <p:nvSpPr>
+          <p:cNvPr id="3" name="Content Placeholder 2"/>
+          <p:cNvSpPr>
+            <a:spLocks noGrp="1"/>
+          </p:cNvSpPr>
+          <p:nvPr>
+            <p:ph idx="1"/>
+          </p:nvPr>
+        </p:nvSpPr>
+        <p:spPr/>
+        <p:txBody>
+          <a:bodyPr/>
+          <a:lstStyle/>
+          <a:p>
+            <a:r>
+              <a:rPr lang="pt-PT" dirty="0" smtClean="0"/>
+              <a:t>What is the problem?</a:t>
+            </a:r>
+          </a:p>
+          <a:p>
+            <a:pPr lvl="1"/>
+            <a:r>
+              <a:rPr lang="pt-PT" dirty="0" smtClean="0"/>
+              <a:t> Maintenance</a:t>
+            </a:r>
+          </a:p>
+          <a:p>
+            <a:pPr lvl="1"/>
+            <a:r>
+              <a:rPr lang="pt-PT" dirty="0" smtClean="0"/>
+              <a:t> Refactoring</a:t>
+            </a:r>
+          </a:p>
+          <a:p>
+            <a:pPr lvl="1"/>
+            <a:r>
+              <a:rPr lang="pt-PT" dirty="0" smtClean="0"/>
+              <a:t> Extend Application functionalities</a:t>
+            </a:r>
+          </a:p>
+          <a:p>
+            <a:pPr lvl="1"/>
+            <a:r>
+              <a:rPr lang="pt-PT" dirty="0" smtClean="0"/>
+              <a:t> Peace of Mind</a:t>
+            </a:r>
             <a:endParaRPr lang="pt-PT" dirty="0"/>
           </a:p>
         </p:txBody>
@@ -10402,7 +10881,7 @@
     <a:masterClrMapping/>
   </p:clrMapOvr>
   <p:transition>
-    <p:fade/>
+    <p:pull dir="lu"/>
   </p:transition>
   <p:timing>
     <p:tnLst>
@@ -10471,35 +10950,35 @@
           <a:p>
             <a:r>
               <a:rPr lang="pt-PT" dirty="0" smtClean="0"/>
-              <a:t>What is the problem?</a:t>
+              <a:t>Extend functionalities?</a:t>
             </a:r>
           </a:p>
           <a:p>
             <a:pPr lvl="1"/>
             <a:r>
               <a:rPr lang="pt-PT" dirty="0" smtClean="0"/>
-              <a:t> Maintenance</a:t>
+              <a:t> Extensible syntax</a:t>
             </a:r>
           </a:p>
           <a:p>
             <a:pPr lvl="1"/>
             <a:r>
               <a:rPr lang="pt-PT" dirty="0" smtClean="0"/>
-              <a:t> Refactoring</a:t>
+              <a:t> Extensible compiler</a:t>
             </a:r>
           </a:p>
           <a:p>
             <a:pPr lvl="1"/>
             <a:r>
               <a:rPr lang="pt-PT" dirty="0" smtClean="0"/>
-              <a:t> Extend Application functionalities</a:t>
+              <a:t> Extensible runtime</a:t>
             </a:r>
           </a:p>
           <a:p>
             <a:pPr lvl="1"/>
             <a:r>
               <a:rPr lang="pt-PT" dirty="0" smtClean="0"/>
-              <a:t> Peace of Mind</a:t>
+              <a:t> Extensible at will</a:t>
             </a:r>
             <a:endParaRPr lang="pt-PT" dirty="0"/>
           </a:p>
@@ -10511,7 +10990,7 @@
     <a:masterClrMapping/>
   </p:clrMapOvr>
   <p:transition>
-    <p:pull dir="lu"/>
+    <p:wipe/>
   </p:transition>
   <p:timing>
     <p:tnLst>
@@ -10542,75 +11021,49 @@
       </p:grpSpPr>
       <p:sp>
         <p:nvSpPr>
-          <p:cNvPr id="2" name="Title 1"/>
+          <p:cNvPr id="3" name="Content Placeholder 2"/>
           <p:cNvSpPr>
             <a:spLocks noGrp="1"/>
           </p:cNvSpPr>
           <p:nvPr>
-            <p:ph type="title"/>
-          </p:nvPr>
-        </p:nvSpPr>
-        <p:spPr/>
-        <p:txBody>
-          <a:bodyPr/>
+            <p:ph idx="1"/>
+          </p:nvPr>
+        </p:nvSpPr>
+        <p:spPr>
+          <a:xfrm>
+            <a:off x="1550622" y="2051847"/>
+            <a:ext cx="6804756" cy="2754306"/>
+          </a:xfrm>
+        </p:spPr>
+        <p:txBody>
+          <a:bodyPr>
+            <a:normAutofit fontScale="70000" lnSpcReduction="20000"/>
+          </a:bodyPr>
           <a:lstStyle/>
           <a:p>
-            <a:r>
-              <a:rPr lang="pt-PT" dirty="0" smtClean="0"/>
-              <a:t>Introduction</a:t>
-            </a:r>
-            <a:endParaRPr lang="pt-PT" dirty="0"/>
-          </a:p>
-        </p:txBody>
-      </p:sp>
-      <p:sp>
-        <p:nvSpPr>
-          <p:cNvPr id="3" name="Content Placeholder 2"/>
-          <p:cNvSpPr>
-            <a:spLocks noGrp="1"/>
-          </p:cNvSpPr>
-          <p:nvPr>
-            <p:ph idx="1"/>
-          </p:nvPr>
-        </p:nvSpPr>
-        <p:spPr/>
-        <p:txBody>
-          <a:bodyPr/>
-          <a:lstStyle/>
-          <a:p>
-            <a:r>
-              <a:rPr lang="pt-PT" dirty="0" smtClean="0"/>
-              <a:t>Extend functionalities?</a:t>
-            </a:r>
-          </a:p>
-          <a:p>
-            <a:pPr lvl="1"/>
-            <a:r>
-              <a:rPr lang="pt-PT" dirty="0" smtClean="0"/>
-              <a:t> Extensible syntax</a:t>
-            </a:r>
-          </a:p>
-          <a:p>
-            <a:pPr lvl="1"/>
-            <a:r>
-              <a:rPr lang="pt-PT" dirty="0" smtClean="0"/>
-              <a:t> Extensible compiler</a:t>
-            </a:r>
-          </a:p>
-          <a:p>
-            <a:pPr lvl="1"/>
-            <a:r>
-              <a:rPr lang="pt-PT" dirty="0" smtClean="0"/>
-              <a:t> Extensible runtime</a:t>
-            </a:r>
-          </a:p>
-          <a:p>
-            <a:pPr lvl="1"/>
-            <a:r>
-              <a:rPr lang="pt-PT" dirty="0" smtClean="0"/>
-              <a:t> Extensible at will</a:t>
-            </a:r>
-            <a:endParaRPr lang="pt-PT" dirty="0"/>
+            <a:pPr marL="0" indent="0" algn="ctr">
+              <a:lnSpc>
+                <a:spcPct val="120000"/>
+              </a:lnSpc>
+              <a:buNone/>
+            </a:pPr>
+            <a:r>
+              <a:rPr lang="en-US" sz="7200" dirty="0" smtClean="0"/>
+              <a:t> “And God said, ‘Let there be light,’ and there was light.”</a:t>
+            </a:r>
+          </a:p>
+          <a:p>
+            <a:pPr marL="0" indent="0" algn="ctr">
+              <a:lnSpc>
+                <a:spcPct val="120000"/>
+              </a:lnSpc>
+              <a:buNone/>
+            </a:pPr>
+            <a:r>
+              <a:rPr lang="en-US" sz="2900" dirty="0" smtClean="0"/>
+              <a:t>Genesis 1:3</a:t>
+            </a:r>
+            <a:endParaRPr lang="pt-PT" sz="2900" dirty="0" smtClean="0"/>
           </a:p>
         </p:txBody>
       </p:sp>
@@ -10619,8 +11072,8 @@
   <p:clrMapOvr>
     <a:masterClrMapping/>
   </p:clrMapOvr>
-  <p:transition>
-    <p:wipe/>
+  <p:transition spd="slow">
+    <p:pull dir="d"/>
   </p:transition>
   <p:timing>
     <p:tnLst>
@@ -10651,6 +11104,29 @@
       </p:grpSpPr>
       <p:sp>
         <p:nvSpPr>
+          <p:cNvPr id="2" name="Title 1"/>
+          <p:cNvSpPr>
+            <a:spLocks noGrp="1"/>
+          </p:cNvSpPr>
+          <p:nvPr>
+            <p:ph type="title"/>
+          </p:nvPr>
+        </p:nvSpPr>
+        <p:spPr/>
+        <p:txBody>
+          <a:bodyPr/>
+          <a:lstStyle/>
+          <a:p>
+            <a:r>
+              <a:rPr lang="pt-PT" dirty="0" smtClean="0"/>
+              <a:t>How to become modular?</a:t>
+            </a:r>
+            <a:endParaRPr lang="pt-PT" dirty="0"/>
+          </a:p>
+        </p:txBody>
+      </p:sp>
+      <p:sp>
+        <p:nvSpPr>
           <p:cNvPr id="3" name="Content Placeholder 2"/>
           <p:cNvSpPr>
             <a:spLocks noGrp="1"/>
@@ -10659,41 +11135,50 @@
             <p:ph idx="1"/>
           </p:nvPr>
         </p:nvSpPr>
-        <p:spPr>
-          <a:xfrm>
-            <a:off x="1550622" y="2051847"/>
-            <a:ext cx="6804756" cy="2754306"/>
-          </a:xfrm>
-        </p:spPr>
-        <p:txBody>
-          <a:bodyPr>
-            <a:normAutofit fontScale="70000" lnSpcReduction="20000"/>
-          </a:bodyPr>
+        <p:spPr/>
+        <p:txBody>
+          <a:bodyPr/>
           <a:lstStyle/>
           <a:p>
-            <a:pPr marL="0" indent="0" algn="ctr">
-              <a:lnSpc>
-                <a:spcPct val="120000"/>
-              </a:lnSpc>
-              <a:buNone/>
-            </a:pPr>
-            <a:r>
-              <a:rPr lang="en-US" sz="7200" dirty="0" smtClean="0"/>
-              <a:t> “And God said, ‘Let there be light,’ and there was light.”</a:t>
-            </a:r>
-          </a:p>
-          <a:p>
-            <a:pPr marL="0" indent="0" algn="ctr">
-              <a:lnSpc>
-                <a:spcPct val="120000"/>
-              </a:lnSpc>
-              <a:buNone/>
-            </a:pPr>
-            <a:r>
-              <a:rPr lang="en-US" sz="2900" dirty="0" smtClean="0"/>
-              <a:t>Genesis 1:3</a:t>
-            </a:r>
-            <a:endParaRPr lang="pt-PT" sz="2900" dirty="0" smtClean="0"/>
+            <a:r>
+              <a:rPr lang="pt-PT" dirty="0" smtClean="0"/>
+              <a:t>Design Patterns</a:t>
+            </a:r>
+          </a:p>
+          <a:p>
+            <a:pPr lvl="1"/>
+            <a:r>
+              <a:rPr lang="pt-PT" dirty="0" smtClean="0"/>
+              <a:t> Façade, MVC, Template Method</a:t>
+            </a:r>
+          </a:p>
+          <a:p>
+            <a:r>
+              <a:rPr lang="pt-PT" dirty="0" smtClean="0"/>
+              <a:t>Build infrastructure</a:t>
+            </a:r>
+          </a:p>
+          <a:p>
+            <a:pPr lvl="1"/>
+            <a:r>
+              <a:rPr lang="pt-PT" dirty="0" smtClean="0"/>
+              <a:t> Know the libraries</a:t>
+            </a:r>
+          </a:p>
+          <a:p>
+            <a:pPr lvl="1"/>
+            <a:r>
+              <a:rPr lang="pt-PT" dirty="0" smtClean="0"/>
+              <a:t> Load the libraries </a:t>
+            </a:r>
+          </a:p>
+          <a:p>
+            <a:pPr lvl="1"/>
+            <a:r>
+              <a:rPr lang="pt-PT" dirty="0" smtClean="0"/>
+              <a:t> Use the libraries</a:t>
+            </a:r>
+            <a:endParaRPr lang="pt-PT" dirty="0"/>
           </a:p>
         </p:txBody>
       </p:sp>
@@ -10702,8 +11187,8 @@
   <p:clrMapOvr>
     <a:masterClrMapping/>
   </p:clrMapOvr>
-  <p:transition spd="slow">
-    <p:pull dir="d"/>
+  <p:transition>
+    <p:wipe/>
   </p:transition>
   <p:timing>
     <p:tnLst>
@@ -10734,83 +11219,27 @@
       </p:grpSpPr>
       <p:sp>
         <p:nvSpPr>
-          <p:cNvPr id="2" name="Title 1"/>
+          <p:cNvPr id="3" name="Text Placeholder 6"/>
           <p:cNvSpPr>
             <a:spLocks noGrp="1"/>
           </p:cNvSpPr>
           <p:nvPr>
-            <p:ph type="title"/>
-          </p:nvPr>
-        </p:nvSpPr>
-        <p:spPr/>
+            <p:ph type="body" sz="quarter" idx="10"/>
+          </p:nvPr>
+        </p:nvSpPr>
+        <p:spPr>
+          <a:xfrm>
+            <a:off x="0" y="1340768"/>
+            <a:ext cx="8322296" cy="1384994"/>
+          </a:xfrm>
+        </p:spPr>
         <p:txBody>
           <a:bodyPr/>
           <a:lstStyle/>
           <a:p>
             <a:r>
               <a:rPr lang="pt-PT" dirty="0" smtClean="0"/>
-              <a:t>How to </a:t>
-            </a:r>
-            <a:r>
-              <a:rPr lang="pt-PT" dirty="0" smtClean="0"/>
-              <a:t>become modular?</a:t>
-            </a:r>
-            <a:endParaRPr lang="pt-PT" dirty="0"/>
-          </a:p>
-        </p:txBody>
-      </p:sp>
-      <p:sp>
-        <p:nvSpPr>
-          <p:cNvPr id="3" name="Content Placeholder 2"/>
-          <p:cNvSpPr>
-            <a:spLocks noGrp="1"/>
-          </p:cNvSpPr>
-          <p:nvPr>
-            <p:ph idx="1"/>
-          </p:nvPr>
-        </p:nvSpPr>
-        <p:spPr/>
-        <p:txBody>
-          <a:bodyPr/>
-          <a:lstStyle/>
-          <a:p>
-            <a:r>
-              <a:rPr lang="pt-PT" dirty="0" smtClean="0"/>
-              <a:t>Design Patterns</a:t>
-            </a:r>
-          </a:p>
-          <a:p>
-            <a:pPr lvl="1"/>
-            <a:r>
-              <a:rPr lang="pt-PT" dirty="0" smtClean="0"/>
-              <a:t> Façade, MVC, Template Method</a:t>
-            </a:r>
-          </a:p>
-          <a:p>
-            <a:r>
-              <a:rPr lang="pt-PT" dirty="0" smtClean="0"/>
-              <a:t>Build infrastructure</a:t>
-            </a:r>
-          </a:p>
-          <a:p>
-            <a:pPr lvl="1"/>
-            <a:r>
-              <a:rPr lang="pt-PT" dirty="0" smtClean="0"/>
-              <a:t> Know the libraries</a:t>
-            </a:r>
-          </a:p>
-          <a:p>
-            <a:pPr lvl="1"/>
-            <a:r>
-              <a:rPr lang="pt-PT" dirty="0" smtClean="0"/>
-              <a:t> Load the libraries </a:t>
-            </a:r>
-          </a:p>
-          <a:p>
-            <a:pPr lvl="1"/>
-            <a:r>
-              <a:rPr lang="pt-PT" dirty="0" smtClean="0"/>
-              <a:t> Use the libraries</a:t>
+              <a:t>Demonstration</a:t>
             </a:r>
             <a:endParaRPr lang="pt-PT" dirty="0"/>
           </a:p>
@@ -10822,7 +11251,7 @@
     <a:masterClrMapping/>
   </p:clrMapOvr>
   <p:transition>
-    <p:wipe/>
+    <p:fade/>
   </p:transition>
   <p:timing>
     <p:tnLst>
